--- a/Survival Analytics.pptx
+++ b/Survival Analytics.pptx
@@ -5,7 +5,7 @@
     <p:sldMasterId id="2147483660" r:id="rId1"/>
   </p:sldMasterIdLst>
   <p:notesMasterIdLst>
-    <p:notesMasterId r:id="rId9"/>
+    <p:notesMasterId r:id="rId12"/>
   </p:notesMasterIdLst>
   <p:sldIdLst>
     <p:sldId id="256" r:id="rId2"/>
@@ -13,8 +13,11 @@
     <p:sldId id="258" r:id="rId4"/>
     <p:sldId id="260" r:id="rId5"/>
     <p:sldId id="261" r:id="rId6"/>
-    <p:sldId id="262" r:id="rId7"/>
-    <p:sldId id="263" r:id="rId8"/>
+    <p:sldId id="265" r:id="rId7"/>
+    <p:sldId id="264" r:id="rId8"/>
+    <p:sldId id="266" r:id="rId9"/>
+    <p:sldId id="267" r:id="rId10"/>
+    <p:sldId id="262" r:id="rId11"/>
   </p:sldIdLst>
   <p:sldSz cx="9144000" cy="5143500" type="screen16x9"/>
   <p:notesSz cx="6858000" cy="9144000"/>
@@ -1093,6 +1096,67 @@
 </p:notes>
 </file>
 
+<file path=ppt/notesSlides/notesSlide6.xml><?xml version="1.0" encoding="utf-8"?>
+<p:notes xmlns:a="http://schemas.openxmlformats.org/drawingml/2006/main" xmlns:r="http://schemas.openxmlformats.org/officeDocument/2006/relationships" xmlns:p="http://schemas.openxmlformats.org/presentationml/2006/main">
+  <p:cSld>
+    <p:spTree>
+      <p:nvGrpSpPr>
+        <p:cNvPr id="1" name=""/>
+        <p:cNvGrpSpPr/>
+        <p:nvPr/>
+      </p:nvGrpSpPr>
+      <p:grpSpPr>
+        <a:xfrm>
+          <a:off x="0" y="0"/>
+          <a:ext cx="0" cy="0"/>
+          <a:chOff x="0" y="0"/>
+          <a:chExt cx="0" cy="0"/>
+        </a:xfrm>
+      </p:grpSpPr>
+      <p:sp>
+        <p:nvSpPr>
+          <p:cNvPr id="2" name="Slide Image Placeholder 1"/>
+          <p:cNvSpPr>
+            <a:spLocks noGrp="1" noRot="1" noChangeAspect="1"/>
+          </p:cNvSpPr>
+          <p:nvPr>
+            <p:ph type="sldImg"/>
+          </p:nvPr>
+        </p:nvSpPr>
+        <p:spPr/>
+      </p:sp>
+      <p:sp>
+        <p:nvSpPr>
+          <p:cNvPr id="3" name="Notes Placeholder 2"/>
+          <p:cNvSpPr>
+            <a:spLocks noGrp="1"/>
+          </p:cNvSpPr>
+          <p:nvPr>
+            <p:ph type="body" idx="1"/>
+          </p:nvPr>
+        </p:nvSpPr>
+        <p:spPr/>
+        <p:txBody>
+          <a:bodyPr/>
+          <a:lstStyle/>
+          <a:p>
+            <a:endParaRPr lang="en-US" dirty="0"/>
+          </a:p>
+        </p:txBody>
+      </p:sp>
+    </p:spTree>
+    <p:extLst>
+      <p:ext uri="{BB962C8B-B14F-4D97-AF65-F5344CB8AC3E}">
+        <p14:creationId xmlns:p14="http://schemas.microsoft.com/office/powerpoint/2010/main" val="3452670950"/>
+      </p:ext>
+    </p:extLst>
+  </p:cSld>
+  <p:clrMapOvr>
+    <a:masterClrMapping/>
+  </p:clrMapOvr>
+</p:notes>
+</file>
+
 <file path=ppt/slideLayouts/slideLayout1.xml><?xml version="1.0" encoding="utf-8"?>
 <p:sldLayout xmlns:a="http://schemas.openxmlformats.org/drawingml/2006/main" xmlns:r="http://schemas.openxmlformats.org/officeDocument/2006/relationships" xmlns:p="http://schemas.openxmlformats.org/presentationml/2006/main" showMasterSp="0" type="title" preserve="1">
   <p:cSld name="Title Slide">
@@ -1261,7 +1325,7 @@
           <a:p>
             <a:fld id="{9E016143-E03C-4CFD-AFDC-14E5BDEA754C}" type="datetimeFigureOut">
               <a:rPr lang="en-US" dirty="0"/>
-              <a:t>12/1/2019</a:t>
+              <a:t>12/2/2019</a:t>
             </a:fld>
             <a:endParaRPr lang="en-US" dirty="0"/>
           </a:p>
@@ -1499,7 +1563,7 @@
           <a:p>
             <a:fld id="{C033E54A-A8CA-48C1-9504-691B58049D29}" type="datetimeFigureOut">
               <a:rPr lang="en-US" dirty="0"/>
-              <a:t>12/1/2019</a:t>
+              <a:t>12/2/2019</a:t>
             </a:fld>
             <a:endParaRPr lang="en-US" dirty="0"/>
           </a:p>
@@ -1689,7 +1753,7 @@
           <a:p>
             <a:fld id="{B5F6C806-BBF7-471C-9527-881CE2266695}" type="datetimeFigureOut">
               <a:rPr lang="en-US" dirty="0"/>
-              <a:t>12/1/2019</a:t>
+              <a:t>12/2/2019</a:t>
             </a:fld>
             <a:endParaRPr lang="en-US" dirty="0"/>
           </a:p>
@@ -2236,7 +2300,7 @@
           <a:p>
             <a:fld id="{78C94063-DF36-4330-A365-08DA1FA5B7D6}" type="datetimeFigureOut">
               <a:rPr lang="en-US" dirty="0"/>
-              <a:t>12/1/2019</a:t>
+              <a:t>12/2/2019</a:t>
             </a:fld>
             <a:endParaRPr lang="en-US" dirty="0"/>
           </a:p>
@@ -2500,7 +2564,7 @@
           <a:p>
             <a:fld id="{908A7C6C-0F39-4D70-8E8D-FE5B9C95FA73}" type="datetimeFigureOut">
               <a:rPr lang="en-US" dirty="0"/>
-              <a:t>12/1/2019</a:t>
+              <a:t>12/2/2019</a:t>
             </a:fld>
             <a:endParaRPr lang="en-US" dirty="0"/>
           </a:p>
@@ -2836,7 +2900,7 @@
           <a:p>
             <a:fld id="{DFCFA4AC-08CC-42CE-BD01-C191750A04EC}" type="datetimeFigureOut">
               <a:rPr lang="en-US" dirty="0"/>
-              <a:t>12/1/2019</a:t>
+              <a:t>12/2/2019</a:t>
             </a:fld>
             <a:endParaRPr lang="en-US" dirty="0"/>
           </a:p>
@@ -3297,7 +3361,7 @@
           <a:p>
             <a:fld id="{1BA7A723-92A7-435B-B681-F25B092FEFEB}" type="datetimeFigureOut">
               <a:rPr lang="en-US" dirty="0"/>
-              <a:t>12/1/2019</a:t>
+              <a:t>12/2/2019</a:t>
             </a:fld>
             <a:endParaRPr lang="en-US" dirty="0"/>
           </a:p>
@@ -3425,7 +3489,7 @@
           <a:p>
             <a:fld id="{4F170639-886C-4FCF-9EAB-ABB5DA3F3F4A}" type="datetimeFigureOut">
               <a:rPr lang="en-US" dirty="0"/>
-              <a:t>12/1/2019</a:t>
+              <a:t>12/2/2019</a:t>
             </a:fld>
             <a:endParaRPr lang="en-US" dirty="0"/>
           </a:p>
@@ -3530,7 +3594,7 @@
           <a:p>
             <a:fld id="{22230651-31F4-45D2-98AE-A2108F41BC07}" type="datetimeFigureOut">
               <a:rPr lang="en-US" dirty="0"/>
-              <a:t>12/1/2019</a:t>
+              <a:t>12/2/2019</a:t>
             </a:fld>
             <a:endParaRPr lang="en-US" dirty="0"/>
           </a:p>
@@ -3826,7 +3890,7 @@
           <a:p>
             <a:fld id="{6F53789A-C914-4DB1-8815-80B5EC7335C5}" type="datetimeFigureOut">
               <a:rPr lang="en-US" dirty="0"/>
-              <a:t>12/1/2019</a:t>
+              <a:t>12/2/2019</a:t>
             </a:fld>
             <a:endParaRPr lang="en-US" dirty="0"/>
           </a:p>
@@ -4158,7 +4222,7 @@
           <a:p>
             <a:fld id="{5E6440AA-91A0-436F-8FDB-C0F939DCAE21}" type="datetimeFigureOut">
               <a:rPr lang="en-US" dirty="0"/>
-              <a:t>12/1/2019</a:t>
+              <a:t>12/2/2019</a:t>
             </a:fld>
             <a:endParaRPr lang="en-US" dirty="0"/>
           </a:p>
@@ -4422,7 +4486,7 @@
           <a:p>
             <a:fld id="{0E59FD0C-5451-4CA0-86AF-E70AE3279989}" type="datetimeFigureOut">
               <a:rPr lang="en-US" dirty="0"/>
-              <a:t>12/1/2019</a:t>
+              <a:t>12/2/2019</a:t>
             </a:fld>
             <a:endParaRPr lang="en-US" dirty="0"/>
           </a:p>
@@ -5005,6 +5069,264 @@
 </p:sld>
 </file>
 
+<file path=ppt/slides/slide10.xml><?xml version="1.0" encoding="utf-8"?>
+<p:sld xmlns:a="http://schemas.openxmlformats.org/drawingml/2006/main" xmlns:r="http://schemas.openxmlformats.org/officeDocument/2006/relationships" xmlns:p="http://schemas.openxmlformats.org/presentationml/2006/main">
+  <p:cSld>
+    <p:spTree>
+      <p:nvGrpSpPr>
+        <p:cNvPr id="1" name=""/>
+        <p:cNvGrpSpPr/>
+        <p:nvPr/>
+      </p:nvGrpSpPr>
+      <p:grpSpPr>
+        <a:xfrm>
+          <a:off x="0" y="0"/>
+          <a:ext cx="0" cy="0"/>
+          <a:chOff x="0" y="0"/>
+          <a:chExt cx="0" cy="0"/>
+        </a:xfrm>
+      </p:grpSpPr>
+      <p:sp>
+        <p:nvSpPr>
+          <p:cNvPr id="2" name="Title 1">
+            <a:extLst>
+              <a:ext uri="{FF2B5EF4-FFF2-40B4-BE49-F238E27FC236}">
+                <a16:creationId xmlns:a16="http://schemas.microsoft.com/office/drawing/2014/main" id="{06EC6FD5-2BC6-42C8-8E40-BEB2774E49D2}"/>
+              </a:ext>
+            </a:extLst>
+          </p:cNvPr>
+          <p:cNvSpPr>
+            <a:spLocks noGrp="1"/>
+          </p:cNvSpPr>
+          <p:nvPr>
+            <p:ph type="title"/>
+          </p:nvPr>
+        </p:nvSpPr>
+        <p:spPr/>
+        <p:txBody>
+          <a:bodyPr/>
+          <a:lstStyle/>
+          <a:p>
+            <a:r>
+              <a:rPr lang="en-IN" dirty="0"/>
+              <a:t>References</a:t>
+            </a:r>
+          </a:p>
+        </p:txBody>
+      </p:sp>
+      <p:sp>
+        <p:nvSpPr>
+          <p:cNvPr id="3" name="Text Placeholder 2">
+            <a:extLst>
+              <a:ext uri="{FF2B5EF4-FFF2-40B4-BE49-F238E27FC236}">
+                <a16:creationId xmlns:a16="http://schemas.microsoft.com/office/drawing/2014/main" id="{0405C95B-AEC5-4D20-AAF6-C8398B3C911E}"/>
+              </a:ext>
+            </a:extLst>
+          </p:cNvPr>
+          <p:cNvSpPr>
+            <a:spLocks noGrp="1"/>
+          </p:cNvSpPr>
+          <p:nvPr>
+            <p:ph type="body" idx="1"/>
+          </p:nvPr>
+        </p:nvSpPr>
+        <p:spPr>
+          <a:xfrm>
+            <a:off x="311699" y="1152475"/>
+            <a:ext cx="8129567" cy="3416400"/>
+          </a:xfrm>
+        </p:spPr>
+        <p:txBody>
+          <a:bodyPr/>
+          <a:lstStyle/>
+          <a:p>
+            <a:pPr>
+              <a:buFont typeface="+mj-lt"/>
+              <a:buAutoNum type="arabicPeriod"/>
+            </a:pPr>
+            <a:r>
+              <a:rPr lang="en-IN" dirty="0">
+                <a:hlinkClick r:id="rId2"/>
+              </a:rPr>
+              <a:t>https://www.youtube.com/watch?v=fli-yE5grtY</a:t>
+            </a:r>
+            <a:endParaRPr lang="en-IN" dirty="0"/>
+          </a:p>
+          <a:p>
+            <a:pPr>
+              <a:buFont typeface="+mj-lt"/>
+              <a:buAutoNum type="arabicPeriod"/>
+            </a:pPr>
+            <a:r>
+              <a:rPr lang="en-IN" dirty="0">
+                <a:hlinkClick r:id="rId3"/>
+              </a:rPr>
+              <a:t>https://speakerdeck.com/lindauruchurtu/survival-analysis-in-r-and-python?slide=17</a:t>
+            </a:r>
+            <a:endParaRPr lang="en-IN" dirty="0"/>
+          </a:p>
+          <a:p>
+            <a:pPr>
+              <a:buFont typeface="+mj-lt"/>
+              <a:buAutoNum type="arabicPeriod"/>
+            </a:pPr>
+            <a:r>
+              <a:rPr lang="en-IN" dirty="0">
+                <a:hlinkClick r:id="rId4"/>
+              </a:rPr>
+              <a:t>https://stats.stackexchange.com/questions/55118/cox-model-vs-logistic-regression</a:t>
+            </a:r>
+            <a:endParaRPr lang="en-IN" dirty="0"/>
+          </a:p>
+          <a:p>
+            <a:pPr>
+              <a:buFont typeface="+mj-lt"/>
+              <a:buAutoNum type="arabicPeriod"/>
+            </a:pPr>
+            <a:r>
+              <a:rPr lang="en-IN" dirty="0">
+                <a:hlinkClick r:id="rId5"/>
+              </a:rPr>
+              <a:t>https</a:t>
+            </a:r>
+          </a:p>
+          <a:p>
+            <a:pPr>
+              <a:buFont typeface="+mj-lt"/>
+              <a:buAutoNum type="arabicPeriod"/>
+            </a:pPr>
+            <a:r>
+              <a:rPr lang="en-IN" dirty="0">
+                <a:hlinkClick r:id="rId6"/>
+              </a:rPr>
+              <a:t>https://stats.stackexchange.com/questions/58046/proof-of-relationship-between-hazard-rate-probability-density-survival-functio</a:t>
+            </a:r>
+            <a:endParaRPr lang="en-IN" dirty="0"/>
+          </a:p>
+          <a:p>
+            <a:pPr>
+              <a:buFont typeface="+mj-lt"/>
+              <a:buAutoNum type="arabicPeriod"/>
+            </a:pPr>
+            <a:r>
+              <a:rPr lang="en-IN" dirty="0">
+                <a:hlinkClick r:id="rId7"/>
+              </a:rPr>
+              <a:t>https://csce.ucmss.com/books/LFS/CSREA2017/PDP2059.pdf</a:t>
+            </a:r>
+            <a:endParaRPr lang="en-IN" dirty="0"/>
+          </a:p>
+          <a:p>
+            <a:pPr>
+              <a:buFont typeface="+mj-lt"/>
+              <a:buAutoNum type="arabicPeriod"/>
+            </a:pPr>
+            <a:r>
+              <a:rPr lang="en-IN" dirty="0">
+                <a:hlinkClick r:id="rId8"/>
+              </a:rPr>
+              <a:t>https://pdfslide.net/documents/maximum-likelihood-estimation-in-the-weibull-distribution-based-on-complete.html</a:t>
+            </a:r>
+            <a:endParaRPr lang="en-IN" dirty="0"/>
+          </a:p>
+          <a:p>
+            <a:pPr>
+              <a:buFont typeface="+mj-lt"/>
+              <a:buAutoNum type="arabicPeriod"/>
+            </a:pPr>
+            <a:r>
+              <a:rPr lang="en-IN" dirty="0">
+                <a:hlinkClick r:id="rId9"/>
+              </a:rPr>
+              <a:t>https://www.ncbi.nlm.nih.gov/pmc/articles/PMC3059453/</a:t>
+            </a:r>
+            <a:endParaRPr lang="en-IN" dirty="0"/>
+          </a:p>
+          <a:p>
+            <a:pPr>
+              <a:buFont typeface="+mj-lt"/>
+              <a:buAutoNum type="arabicPeriod"/>
+            </a:pPr>
+            <a:r>
+              <a:rPr lang="en-IN" dirty="0">
+                <a:hlinkClick r:id="rId10"/>
+              </a:rPr>
+              <a:t>https://rmvpaeme.github.io/KaplanMeier_intro/#</a:t>
+            </a:r>
+            <a:endParaRPr lang="en-IN" dirty="0"/>
+          </a:p>
+          <a:p>
+            <a:pPr>
+              <a:buFont typeface="+mj-lt"/>
+              <a:buAutoNum type="arabicPeriod"/>
+            </a:pPr>
+            <a:r>
+              <a:rPr lang="en-US" dirty="0">
+                <a:hlinkClick r:id="rId11"/>
+              </a:rPr>
+              <a:t>http://savvastjortjoglou.com/nfl-survival-analysis-kaplan-meier.html</a:t>
+            </a:r>
+            <a:endParaRPr lang="en-IN" dirty="0"/>
+          </a:p>
+          <a:p>
+            <a:pPr>
+              <a:buFont typeface="+mj-lt"/>
+              <a:buAutoNum type="arabicPeriod"/>
+            </a:pPr>
+            <a:r>
+              <a:rPr lang="en-IN" dirty="0"/>
+              <a:t>For Python Users: </a:t>
+            </a:r>
+            <a:r>
+              <a:rPr lang="en-US" dirty="0">
+                <a:hlinkClick r:id="rId12"/>
+              </a:rPr>
+              <a:t>https://lifelines.readthedocs.io/en/latest/Survival%20Analysis%20intro.html</a:t>
+            </a:r>
+            <a:endParaRPr lang="en-US" dirty="0"/>
+          </a:p>
+          <a:p>
+            <a:pPr>
+              <a:buFont typeface="+mj-lt"/>
+              <a:buAutoNum type="arabicPeriod"/>
+            </a:pPr>
+            <a:r>
+              <a:rPr lang="en-IN" dirty="0"/>
+              <a:t>For R Users: </a:t>
+            </a:r>
+            <a:r>
+              <a:rPr lang="en-IN" dirty="0">
+                <a:hlinkClick r:id="rId13"/>
+              </a:rPr>
+              <a:t>https://www.r-bloggers.com/survival-analysis-part-i/</a:t>
+            </a:r>
+            <a:endParaRPr lang="en-IN" dirty="0"/>
+          </a:p>
+          <a:p>
+            <a:pPr>
+              <a:buFont typeface="+mj-lt"/>
+              <a:buAutoNum type="arabicPeriod"/>
+            </a:pPr>
+            <a:endParaRPr lang="en-IN" dirty="0"/>
+          </a:p>
+          <a:p>
+            <a:endParaRPr lang="en-IN" dirty="0"/>
+          </a:p>
+        </p:txBody>
+      </p:sp>
+    </p:spTree>
+    <p:extLst>
+      <p:ext uri="{BB962C8B-B14F-4D97-AF65-F5344CB8AC3E}">
+        <p14:creationId xmlns:p14="http://schemas.microsoft.com/office/powerpoint/2010/main" val="214934097"/>
+      </p:ext>
+    </p:extLst>
+  </p:cSld>
+  <p:clrMapOvr>
+    <a:masterClrMapping/>
+  </p:clrMapOvr>
+</p:sld>
+</file>
+
 <file path=ppt/slides/slide2.xml><?xml version="1.0" encoding="utf-8"?>
 <p:sld xmlns:a="http://schemas.openxmlformats.org/drawingml/2006/main" xmlns:r="http://schemas.openxmlformats.org/officeDocument/2006/relationships" xmlns:p="http://schemas.openxmlformats.org/presentationml/2006/main">
   <p:cSld>
@@ -5071,6 +5393,10 @@
           </p:nvPr>
         </p:nvSpPr>
         <p:spPr>
+          <a:xfrm>
+            <a:off x="311700" y="1152475"/>
+            <a:ext cx="8102050" cy="3416400"/>
+          </a:xfrm>
           <a:prstGeom prst="rect">
             <a:avLst/>
           </a:prstGeom>
@@ -5092,10 +5418,9 @@
               <a:buAutoNum type="arabicPeriod"/>
             </a:pPr>
             <a:r>
-              <a:rPr lang="en"/>
+              <a:rPr lang="en" sz="1800" dirty="0"/>
               <a:t>Definitions</a:t>
             </a:r>
-            <a:endParaRPr/>
           </a:p>
           <a:p>
             <a:pPr marL="457200" lvl="0" indent="-342900" algn="l" rtl="0">
@@ -5108,11 +5433,7 @@
               <a:buSzPts val="1800"/>
               <a:buAutoNum type="arabicPeriod"/>
             </a:pPr>
-            <a:r>
-              <a:rPr lang="en"/>
-              <a:t>Motivation</a:t>
-            </a:r>
-            <a:endParaRPr/>
+            <a:endParaRPr sz="1800" dirty="0"/>
           </a:p>
           <a:p>
             <a:pPr marL="457200" lvl="0" indent="-342900" algn="l" rtl="0">
@@ -5126,10 +5447,9 @@
               <a:buAutoNum type="arabicPeriod"/>
             </a:pPr>
             <a:r>
-              <a:rPr lang="en"/>
-              <a:t>Formal Definitions</a:t>
-            </a:r>
-            <a:endParaRPr/>
+              <a:rPr lang="en" sz="1800" dirty="0"/>
+              <a:t>Motivation</a:t>
+            </a:r>
           </a:p>
           <a:p>
             <a:pPr marL="457200" lvl="0" indent="-342900" algn="l" rtl="0">
@@ -5142,11 +5462,57 @@
               <a:buSzPts val="1800"/>
               <a:buAutoNum type="arabicPeriod"/>
             </a:pPr>
-            <a:r>
-              <a:rPr lang="en"/>
-              <a:t>Models</a:t>
-            </a:r>
-            <a:endParaRPr/>
+            <a:endParaRPr sz="1800" dirty="0"/>
+          </a:p>
+          <a:p>
+            <a:pPr marL="457200" lvl="0" indent="-342900" algn="l" rtl="0">
+              <a:spcBef>
+                <a:spcPts val="0"/>
+              </a:spcBef>
+              <a:spcAft>
+                <a:spcPts val="0"/>
+              </a:spcAft>
+              <a:buSzPts val="1800"/>
+              <a:buAutoNum type="arabicPeriod"/>
+            </a:pPr>
+            <a:r>
+              <a:rPr lang="en" sz="1800" dirty="0"/>
+              <a:t>Formal Definitions</a:t>
+            </a:r>
+          </a:p>
+          <a:p>
+            <a:pPr marL="457200" lvl="0" indent="-342900" algn="l" rtl="0">
+              <a:spcBef>
+                <a:spcPts val="0"/>
+              </a:spcBef>
+              <a:spcAft>
+                <a:spcPts val="0"/>
+              </a:spcAft>
+              <a:buSzPts val="1800"/>
+              <a:buAutoNum type="arabicPeriod"/>
+            </a:pPr>
+            <a:endParaRPr sz="1800" dirty="0"/>
+          </a:p>
+          <a:p>
+            <a:pPr marL="457200" lvl="0" indent="-342900" algn="l" rtl="0">
+              <a:spcBef>
+                <a:spcPts val="0"/>
+              </a:spcBef>
+              <a:spcAft>
+                <a:spcPts val="0"/>
+              </a:spcAft>
+              <a:buSzPts val="1800"/>
+              <a:buAutoNum type="arabicPeriod"/>
+            </a:pPr>
+            <a:r>
+              <a:rPr lang="en" sz="1800" dirty="0"/>
+              <a:t>Models </a:t>
+            </a:r>
+            <a:r>
+              <a:rPr lang="en-US" sz="1800" dirty="0"/>
+              <a:t>with Code Examples</a:t>
+            </a:r>
+            <a:endParaRPr sz="1800" dirty="0"/>
           </a:p>
           <a:p>
             <a:pPr marL="914400" lvl="1" indent="-317500" algn="l" rtl="0">
@@ -5160,10 +5526,10 @@
               <a:buAutoNum type="alphaLcPeriod"/>
             </a:pPr>
             <a:r>
-              <a:rPr lang="en"/>
+              <a:rPr lang="en" sz="1800" dirty="0"/>
               <a:t>Non-Parametric - Kaplan Meier</a:t>
             </a:r>
-            <a:endParaRPr/>
+            <a:endParaRPr sz="1800" dirty="0"/>
           </a:p>
           <a:p>
             <a:pPr marL="914400" lvl="1" indent="-317500" algn="l" rtl="0">
@@ -5177,13 +5543,12 @@
               <a:buAutoNum type="alphaLcPeriod"/>
             </a:pPr>
             <a:r>
-              <a:rPr lang="en"/>
-              <a:t>Semi-Parametric </a:t>
-            </a:r>
-            <a:endParaRPr/>
-          </a:p>
-          <a:p>
-            <a:pPr marL="914400" lvl="1" indent="-317500" algn="l" rtl="0">
+              <a:rPr lang="en" sz="1800" dirty="0"/>
+              <a:t>Parametric – Weibull</a:t>
+            </a:r>
+          </a:p>
+          <a:p>
+            <a:pPr marL="596900" lvl="1" indent="0" algn="l" rtl="0">
               <a:spcBef>
                 <a:spcPts val="0"/>
               </a:spcBef>
@@ -5191,47 +5556,9 @@
                 <a:spcPts val="0"/>
               </a:spcAft>
               <a:buSzPts val="1400"/>
-              <a:buAutoNum type="alphaLcPeriod"/>
+              <a:buNone/>
             </a:pPr>
-            <a:r>
-              <a:rPr lang="en"/>
-              <a:t>Parametric - Weibull</a:t>
-            </a:r>
-            <a:endParaRPr/>
-          </a:p>
-          <a:p>
-            <a:pPr marL="914400" lvl="1" indent="-317500" algn="l" rtl="0">
-              <a:spcBef>
-                <a:spcPts val="0"/>
-              </a:spcBef>
-              <a:spcAft>
-                <a:spcPts val="0"/>
-              </a:spcAft>
-              <a:buSzPts val="1400"/>
-              <a:buAutoNum type="alphaLcPeriod"/>
-            </a:pPr>
-            <a:r>
-              <a:rPr lang="en"/>
-              <a:t>Regression - Cox Proportional Hazard</a:t>
-            </a:r>
-            <a:endParaRPr/>
-          </a:p>
-          <a:p>
-            <a:pPr marL="457200" lvl="0" indent="-342900" algn="l" rtl="0">
-              <a:spcBef>
-                <a:spcPts val="0"/>
-              </a:spcBef>
-              <a:spcAft>
-                <a:spcPts val="0"/>
-              </a:spcAft>
-              <a:buSzPts val="1800"/>
-              <a:buAutoNum type="arabicPeriod"/>
-            </a:pPr>
-            <a:r>
-              <a:rPr lang="en"/>
-              <a:t>Examples</a:t>
-            </a:r>
-            <a:endParaRPr/>
+            <a:endParaRPr lang="en" sz="1800" dirty="0"/>
           </a:p>
         </p:txBody>
       </p:sp>
@@ -5503,16 +5830,12 @@
               <a:buAutoNum type="arabicPeriod"/>
             </a:pPr>
             <a:r>
+              <a:rPr lang="en-US" b="1" dirty="0"/>
+              <a:t>Survival Function</a:t>
+            </a:r>
+            <a:r>
               <a:rPr lang="en-US" dirty="0"/>
-              <a:t>Survival Function: the probability that the event of interest has not </a:t>
-            </a:r>
-            <a:r>
-              <a:rPr lang="en-US" dirty="0" err="1"/>
-              <a:t>occured</a:t>
-            </a:r>
-            <a:r>
-              <a:rPr lang="en-US" dirty="0"/>
-              <a:t> at time t as function of time t. It can also be interpreted as the probability of survival after time t. </a:t>
+              <a:t>: the probability that the event of interest has not occurred at time t as function of time t. It can also be interpreted as the probability of survival after time t. </a:t>
             </a:r>
           </a:p>
           <a:p>
@@ -5523,8 +5846,12 @@
               <a:buAutoNum type="arabicPeriod"/>
             </a:pPr>
             <a:r>
+              <a:rPr lang="en-US" b="1" dirty="0"/>
+              <a:t>Hazard Function</a:t>
+            </a:r>
+            <a:r>
               <a:rPr lang="en-US" dirty="0"/>
-              <a:t>Hazard Function: the probability that the event of interest will occur within a small interval of time or the instantaneous rate of occurrence of the event. </a:t>
+              <a:t>: the probability that the event of interest will occur within a small interval of time or the instantaneous rate of occurrence of the event. </a:t>
             </a:r>
           </a:p>
           <a:p>
@@ -5667,7 +5994,7 @@
           </a:bodyPr>
           <a:lstStyle/>
           <a:p>
-            <a:pPr marL="457200" lvl="0" indent="-342900" algn="l" rtl="0">
+            <a:pPr marL="457200" lvl="0" indent="-342900" algn="just" rtl="0">
               <a:spcBef>
                 <a:spcPts val="0"/>
               </a:spcBef>
@@ -5678,13 +6005,13 @@
               <a:buAutoNum type="arabicPeriod"/>
             </a:pPr>
             <a:r>
-              <a:rPr lang="en" dirty="0"/>
+              <a:rPr lang="en" sz="1600" dirty="0"/>
               <a:t>Survival analysis was initially used by medical practitioners and actuaries to deal with problems such as:</a:t>
             </a:r>
-            <a:endParaRPr dirty="0"/>
-          </a:p>
-          <a:p>
-            <a:pPr marL="914400" lvl="1" indent="-317500" algn="l" rtl="0">
+            <a:endParaRPr sz="1600" dirty="0"/>
+          </a:p>
+          <a:p>
+            <a:pPr marL="914400" lvl="1" indent="-317500" algn="just" rtl="0">
               <a:spcBef>
                 <a:spcPts val="0"/>
               </a:spcBef>
@@ -5695,13 +6022,13 @@
               <a:buAutoNum type="alphaLcPeriod"/>
             </a:pPr>
             <a:r>
-              <a:rPr lang="en" dirty="0"/>
+              <a:rPr lang="en" sz="1600" dirty="0"/>
               <a:t>What is life expectancy of patients in cohort A as compared to cohort B (where one of the cohorts would be given a drug under study)?</a:t>
             </a:r>
-            <a:endParaRPr dirty="0"/>
-          </a:p>
-          <a:p>
-            <a:pPr marL="914400" lvl="1" indent="-317500" algn="l" rtl="0">
+            <a:endParaRPr sz="1600" dirty="0"/>
+          </a:p>
+          <a:p>
+            <a:pPr marL="914400" lvl="1" indent="-317500" algn="just" rtl="0">
               <a:spcBef>
                 <a:spcPts val="0"/>
               </a:spcBef>
@@ -5712,12 +6039,12 @@
               <a:buAutoNum type="alphaLcPeriod"/>
             </a:pPr>
             <a:r>
-              <a:rPr lang="en" dirty="0"/>
+              <a:rPr lang="en" sz="1600" dirty="0"/>
               <a:t>What is the life expectancy of the population in Gurgaon?</a:t>
             </a:r>
           </a:p>
           <a:p>
-            <a:pPr marL="914400" lvl="1" indent="-317500" algn="l" rtl="0">
+            <a:pPr marL="914400" lvl="1" indent="-317500" algn="just" rtl="0">
               <a:spcBef>
                 <a:spcPts val="0"/>
               </a:spcBef>
@@ -5727,10 +6054,10 @@
               <a:buSzPts val="1400"/>
               <a:buAutoNum type="alphaLcPeriod"/>
             </a:pPr>
-            <a:endParaRPr dirty="0"/>
-          </a:p>
-          <a:p>
-            <a:pPr marL="457200" lvl="0" indent="-342900" algn="l" rtl="0">
+            <a:endParaRPr sz="1600" dirty="0"/>
+          </a:p>
+          <a:p>
+            <a:pPr marL="457200" lvl="0" indent="-342900" algn="just" rtl="0">
               <a:spcBef>
                 <a:spcPts val="0"/>
               </a:spcBef>
@@ -5741,12 +6068,12 @@
               <a:buAutoNum type="arabicPeriod"/>
             </a:pPr>
             <a:r>
-              <a:rPr lang="en" dirty="0"/>
+              <a:rPr lang="en" sz="1600" dirty="0"/>
               <a:t>However these methods/models are now used for variety of tasks such as to determine machine failure time, customer churn duration.</a:t>
             </a:r>
           </a:p>
           <a:p>
-            <a:pPr marL="457200" lvl="0" indent="-342900" algn="l" rtl="0">
+            <a:pPr marL="457200" lvl="0" indent="-342900" algn="just" rtl="0">
               <a:spcBef>
                 <a:spcPts val="0"/>
               </a:spcBef>
@@ -5756,10 +6083,10 @@
               <a:buSzPts val="1800"/>
               <a:buAutoNum type="arabicPeriod"/>
             </a:pPr>
-            <a:endParaRPr dirty="0"/>
-          </a:p>
-          <a:p>
-            <a:pPr marL="457200" lvl="0" indent="-342900" algn="l" rtl="0">
+            <a:endParaRPr sz="1600" dirty="0"/>
+          </a:p>
+          <a:p>
+            <a:pPr marL="457200" lvl="0" indent="-342900" algn="just" rtl="0">
               <a:spcBef>
                 <a:spcPts val="0"/>
               </a:spcBef>
@@ -5770,13 +6097,13 @@
               <a:buAutoNum type="arabicPeriod"/>
             </a:pPr>
             <a:r>
-              <a:rPr lang="en" dirty="0"/>
+              <a:rPr lang="en" sz="1600" dirty="0"/>
               <a:t>These models are different from the regression model in the following way:</a:t>
             </a:r>
-            <a:endParaRPr dirty="0"/>
-          </a:p>
-          <a:p>
-            <a:pPr marL="914400" lvl="1" indent="-317500" algn="l" rtl="0">
+            <a:endParaRPr sz="1600" dirty="0"/>
+          </a:p>
+          <a:p>
+            <a:pPr marL="914400" lvl="1" indent="-317500" algn="just" rtl="0">
               <a:spcBef>
                 <a:spcPts val="0"/>
               </a:spcBef>
@@ -5787,13 +6114,13 @@
               <a:buAutoNum type="alphaLcPeriod"/>
             </a:pPr>
             <a:r>
-              <a:rPr lang="en" dirty="0"/>
+              <a:rPr lang="en" sz="1600" dirty="0"/>
               <a:t>Survival analysis is specially designed to handle data censorship</a:t>
             </a:r>
-            <a:endParaRPr dirty="0"/>
-          </a:p>
-          <a:p>
-            <a:pPr marL="914400" lvl="1" indent="-317500" algn="l" rtl="0">
+            <a:endParaRPr sz="1600" dirty="0"/>
+          </a:p>
+          <a:p>
+            <a:pPr marL="914400" lvl="1" indent="-317500" algn="just" rtl="0">
               <a:spcBef>
                 <a:spcPts val="0"/>
               </a:spcBef>
@@ -5804,10 +6131,10 @@
               <a:buAutoNum type="alphaLcPeriod"/>
             </a:pPr>
             <a:r>
-              <a:rPr lang="en" dirty="0"/>
+              <a:rPr lang="en" sz="1600" dirty="0"/>
               <a:t>In survival analysis we aim to derive the survival/hazard functions unlike lifespan values for individual samples as in a regression setup.</a:t>
             </a:r>
-            <a:endParaRPr dirty="0"/>
+            <a:endParaRPr sz="1600" dirty="0"/>
           </a:p>
         </p:txBody>
       </p:sp>
@@ -5874,8 +6201,8 @@
           </a:p>
         </p:txBody>
       </p:sp>
-      <mc:AlternateContent xmlns:mc="http://schemas.openxmlformats.org/markup-compatibility/2006">
-        <mc:Choice xmlns:a14="http://schemas.microsoft.com/office/drawing/2010/main" Requires="a14">
+      <mc:AlternateContent xmlns:mc="http://schemas.openxmlformats.org/markup-compatibility/2006" xmlns:a14="http://schemas.microsoft.com/office/drawing/2010/main">
+        <mc:Choice Requires="a14">
           <p:sp>
             <p:nvSpPr>
               <p:cNvPr id="85" name="Google Shape;85;p18"/>
@@ -6108,7 +6435,7 @@
                     <m:d>
                       <m:dPr>
                         <m:ctrlPr>
-                          <a:rPr lang="en-IN" b="0" i="0" smtClean="0">
+                          <a:rPr lang="en-IN" b="0" i="1" smtClean="0">
                             <a:latin typeface="Cambria Math" panose="02040503050406030204" pitchFamily="18" charset="0"/>
                           </a:rPr>
                         </m:ctrlPr>
@@ -7401,7 +7728,7 @@
             </p:txBody>
           </p:sp>
         </mc:Choice>
-        <mc:Fallback>
+        <mc:Fallback xmlns="">
           <p:sp>
             <p:nvSpPr>
               <p:cNvPr id="85" name="Google Shape;85;p18"/>
@@ -7453,6 +7780,14 @@
 <file path=ppt/slides/slide6.xml><?xml version="1.0" encoding="utf-8"?>
 <p:sld xmlns:a="http://schemas.openxmlformats.org/drawingml/2006/main" xmlns:r="http://schemas.openxmlformats.org/officeDocument/2006/relationships" xmlns:p="http://schemas.openxmlformats.org/presentationml/2006/main">
   <p:cSld>
+    <p:bg>
+      <p:bgPr>
+        <a:solidFill>
+          <a:schemeClr val="bg1"/>
+        </a:solidFill>
+        <a:effectLst/>
+      </p:bgPr>
+    </p:bg>
     <p:spTree>
       <p:nvGrpSpPr>
         <p:cNvPr id="1" name=""/>
@@ -7467,161 +7802,41 @@
           <a:chExt cx="0" cy="0"/>
         </a:xfrm>
       </p:grpSpPr>
-      <p:sp>
-        <p:nvSpPr>
-          <p:cNvPr id="2" name="Title 1">
+      <p:pic>
+        <p:nvPicPr>
+          <p:cNvPr id="10" name="Picture Placeholder 9">
             <a:extLst>
               <a:ext uri="{FF2B5EF4-FFF2-40B4-BE49-F238E27FC236}">
-                <a16:creationId xmlns:a16="http://schemas.microsoft.com/office/drawing/2014/main" id="{06EC6FD5-2BC6-42C8-8E40-BEB2774E49D2}"/>
+                <a16:creationId xmlns:a16="http://schemas.microsoft.com/office/drawing/2014/main" id="{1D5088CC-DF1D-40EC-8BC5-EF5B433B00E8}"/>
               </a:ext>
             </a:extLst>
           </p:cNvPr>
-          <p:cNvSpPr>
-            <a:spLocks noGrp="1"/>
-          </p:cNvSpPr>
+          <p:cNvPicPr>
+            <a:picLocks noGrp="1" noChangeAspect="1"/>
+          </p:cNvPicPr>
           <p:nvPr>
-            <p:ph type="title"/>
+            <p:ph type="pic" idx="4294967295"/>
           </p:nvPr>
-        </p:nvSpPr>
-        <p:spPr/>
-        <p:txBody>
-          <a:bodyPr/>
-          <a:lstStyle/>
-          <a:p>
-            <a:r>
-              <a:rPr lang="en-IN" dirty="0"/>
-              <a:t>References</a:t>
-            </a:r>
-          </a:p>
-        </p:txBody>
-      </p:sp>
-      <p:sp>
-        <p:nvSpPr>
-          <p:cNvPr id="3" name="Text Placeholder 2">
-            <a:extLst>
-              <a:ext uri="{FF2B5EF4-FFF2-40B4-BE49-F238E27FC236}">
-                <a16:creationId xmlns:a16="http://schemas.microsoft.com/office/drawing/2014/main" id="{0405C95B-AEC5-4D20-AAF6-C8398B3C911E}"/>
-              </a:ext>
-            </a:extLst>
-          </p:cNvPr>
-          <p:cNvSpPr>
-            <a:spLocks noGrp="1"/>
-          </p:cNvSpPr>
-          <p:nvPr>
-            <p:ph type="body" idx="1"/>
-          </p:nvPr>
-        </p:nvSpPr>
-        <p:spPr/>
-        <p:txBody>
-          <a:bodyPr/>
-          <a:lstStyle/>
-          <a:p>
-            <a:r>
-              <a:rPr lang="en-IN" dirty="0">
-                <a:hlinkClick r:id="rId2"/>
-              </a:rPr>
-              <a:t>https://www.youtube.com/watch?v=fli-yE5grtY</a:t>
-            </a:r>
-            <a:endParaRPr lang="en-IN" dirty="0"/>
-          </a:p>
-          <a:p>
-            <a:r>
-              <a:rPr lang="en-IN" dirty="0">
-                <a:hlinkClick r:id="rId3"/>
-              </a:rPr>
-              <a:t>https://speakerdeck.com/lindauruchurtu/survival-analysis-in-r-and-python?slide=17</a:t>
-            </a:r>
-            <a:endParaRPr lang="en-IN" dirty="0"/>
-          </a:p>
-          <a:p>
-            <a:r>
-              <a:rPr lang="en-IN" dirty="0">
-                <a:hlinkClick r:id="rId4"/>
-              </a:rPr>
-              <a:t>https://stats.stackexchange.com/questions/55118/cox-model-vs-logistic-regression</a:t>
-            </a:r>
-            <a:endParaRPr lang="en-IN" dirty="0"/>
-          </a:p>
-          <a:p>
-            <a:r>
-              <a:rPr lang="en-IN" dirty="0">
-                <a:hlinkClick r:id="rId5"/>
-              </a:rPr>
-              <a:t>https</a:t>
-            </a:r>
-          </a:p>
-          <a:p>
-            <a:r>
-              <a:rPr lang="en-IN" dirty="0">
-                <a:hlinkClick r:id="rId5"/>
-              </a:rPr>
-              <a:t>://lifelines.readthedocs.io/en/latest/Survival%20Regression.html</a:t>
-            </a:r>
-            <a:endParaRPr lang="en-IN" dirty="0"/>
-          </a:p>
-          <a:p>
-            <a:r>
-              <a:rPr lang="en-IN" dirty="0">
-                <a:hlinkClick r:id="rId6"/>
-              </a:rPr>
-              <a:t>https://stats.stackexchange.com/questions/58046/proof-of-relationship-between-hazard-rate-probability-density-survival-functio</a:t>
-            </a:r>
-            <a:endParaRPr lang="en-IN" dirty="0"/>
-          </a:p>
-          <a:p>
-            <a:r>
-              <a:rPr lang="en-IN" dirty="0">
-                <a:hlinkClick r:id="rId7"/>
-              </a:rPr>
-              <a:t>https://csce.ucmss.com/books/LFS/CSREA2017/PDP2059.pdf</a:t>
-            </a:r>
-            <a:endParaRPr lang="en-IN" dirty="0"/>
-          </a:p>
-          <a:p>
-            <a:r>
-              <a:rPr lang="en-IN" dirty="0">
-                <a:hlinkClick r:id="rId8"/>
-              </a:rPr>
-              <a:t>https://pdfslide.net/documents/maximum-likelihood-estimation-in-the-weibull-distribution-based-on-complete.html</a:t>
-            </a:r>
-            <a:endParaRPr lang="en-IN" dirty="0"/>
-          </a:p>
-          <a:p>
-            <a:r>
-              <a:rPr lang="en-IN" dirty="0">
-                <a:hlinkClick r:id="rId9"/>
-              </a:rPr>
-              <a:t>https://www.ncbi.nlm.nih.gov/pmc/articles/PMC3059453/</a:t>
-            </a:r>
-            <a:endParaRPr lang="en-IN" dirty="0"/>
-          </a:p>
-          <a:p>
-            <a:r>
-              <a:rPr lang="en-IN" dirty="0">
-                <a:hlinkClick r:id="rId10"/>
-              </a:rPr>
-              <a:t>https://rmvpaeme.github.io/KaplanMeier_intro/#</a:t>
-            </a:r>
-            <a:endParaRPr lang="en-IN" dirty="0"/>
-          </a:p>
-          <a:p>
-            <a:r>
-              <a:rPr lang="en-IN">
-                <a:hlinkClick r:id="rId11"/>
-              </a:rPr>
-              <a:t>https://www.r-bloggers.com/survival-analysis-part-i/</a:t>
-            </a:r>
-            <a:endParaRPr lang="en-IN"/>
-          </a:p>
-          <a:p>
-            <a:endParaRPr lang="en-IN" dirty="0"/>
-          </a:p>
-        </p:txBody>
-      </p:sp>
+        </p:nvPicPr>
+        <p:blipFill rotWithShape="1">
+          <a:blip r:embed="rId2"/>
+          <a:srcRect l="2419" r="4956"/>
+          <a:stretch/>
+        </p:blipFill>
+        <p:spPr>
+          <a:xfrm>
+            <a:off x="20" y="10"/>
+            <a:ext cx="8469610" cy="5143490"/>
+          </a:xfrm>
+          <a:prstGeom prst="rect">
+            <a:avLst/>
+          </a:prstGeom>
+        </p:spPr>
+      </p:pic>
     </p:spTree>
     <p:extLst>
       <p:ext uri="{BB962C8B-B14F-4D97-AF65-F5344CB8AC3E}">
-        <p14:creationId xmlns:p14="http://schemas.microsoft.com/office/powerpoint/2010/main" val="214934097"/>
+        <p14:creationId xmlns:p14="http://schemas.microsoft.com/office/powerpoint/2010/main" val="1093328788"/>
       </p:ext>
     </p:extLst>
   </p:cSld>
@@ -7653,7 +7868,7 @@
           <p:cNvPr id="2" name="Title 1">
             <a:extLst>
               <a:ext uri="{FF2B5EF4-FFF2-40B4-BE49-F238E27FC236}">
-                <a16:creationId xmlns:a16="http://schemas.microsoft.com/office/drawing/2014/main" id="{1FD1E0DF-42AF-4961-AB24-F7634C434DDD}"/>
+                <a16:creationId xmlns:a16="http://schemas.microsoft.com/office/drawing/2014/main" id="{2274BEB1-8FA2-4F70-8D71-F4BE64C92E13}"/>
               </a:ext>
             </a:extLst>
           </p:cNvPr>
@@ -7669,16 +7884,713 @@
           <a:bodyPr/>
           <a:lstStyle/>
           <a:p>
-            <a:endParaRPr lang="en-IN"/>
+            <a:r>
+              <a:rPr lang="en-US" dirty="0"/>
+              <a:t>Non-Parameter Models: Kaplan-Meier </a:t>
+            </a:r>
           </a:p>
         </p:txBody>
       </p:sp>
+      <mc:AlternateContent xmlns:mc="http://schemas.openxmlformats.org/markup-compatibility/2006" xmlns:a14="http://schemas.microsoft.com/office/drawing/2010/main">
+        <mc:Choice Requires="a14">
+          <p:sp>
+            <p:nvSpPr>
+              <p:cNvPr id="3" name="Text Placeholder 2">
+                <a:extLst>
+                  <a:ext uri="{FF2B5EF4-FFF2-40B4-BE49-F238E27FC236}">
+                    <a16:creationId xmlns:a16="http://schemas.microsoft.com/office/drawing/2014/main" id="{6DDE384C-A948-466B-8661-63AF5287BA47}"/>
+                  </a:ext>
+                </a:extLst>
+              </p:cNvPr>
+              <p:cNvSpPr>
+                <a:spLocks noGrp="1"/>
+              </p:cNvSpPr>
+              <p:nvPr>
+                <p:ph type="body" idx="1"/>
+              </p:nvPr>
+            </p:nvSpPr>
+            <p:spPr>
+              <a:xfrm>
+                <a:off x="311700" y="1152475"/>
+                <a:ext cx="8103880" cy="3416400"/>
+              </a:xfrm>
+            </p:spPr>
+            <p:txBody>
+              <a:bodyPr/>
+              <a:lstStyle/>
+              <a:p>
+                <a:pPr>
+                  <a:buFont typeface="+mj-lt"/>
+                  <a:buAutoNum type="arabicPeriod"/>
+                </a:pPr>
+                <a:r>
+                  <a:rPr lang="en-US" sz="1800" dirty="0"/>
+                  <a:t>The Kaplan–Meier estimator, also known as the product limit estimator, is a non-parametric statistic used to estimate the survival function from lifetime data. </a:t>
+                </a:r>
+              </a:p>
+              <a:p>
+                <a:pPr>
+                  <a:buFont typeface="+mj-lt"/>
+                  <a:buAutoNum type="arabicPeriod"/>
+                </a:pPr>
+                <a:endParaRPr lang="en-US" sz="1800" dirty="0"/>
+              </a:p>
+              <a:p>
+                <a:pPr>
+                  <a:buFont typeface="+mj-lt"/>
+                  <a:buAutoNum type="arabicPeriod"/>
+                </a:pPr>
+                <a:r>
+                  <a:rPr lang="en-US" sz="1800" dirty="0"/>
+                  <a:t>In medical research, it is often used to measure the fraction of patients living for a certain amount of time after treatment.</a:t>
+                </a:r>
+                <a:endParaRPr lang="en-US" sz="1800" b="0" i="1" dirty="0">
+                  <a:latin typeface="Cambria Math" panose="02040503050406030204" pitchFamily="18" charset="0"/>
+                </a:endParaRPr>
+              </a:p>
+              <a:p>
+                <a:pPr lvl="1">
+                  <a:buFont typeface="+mj-lt"/>
+                  <a:buAutoNum type="arabicPeriod"/>
+                </a:pPr>
+                <a14:m>
+                  <m:oMath xmlns:m="http://schemas.openxmlformats.org/officeDocument/2006/math">
+                    <m:r>
+                      <a:rPr lang="en-US" sz="1800" b="0" i="1" smtClean="0">
+                        <a:latin typeface="Cambria Math" panose="02040503050406030204" pitchFamily="18" charset="0"/>
+                      </a:rPr>
+                      <m:t>𝑆</m:t>
+                    </m:r>
+                    <m:d>
+                      <m:dPr>
+                        <m:ctrlPr>
+                          <a:rPr lang="en-US" sz="1800" b="0" i="1" smtClean="0">
+                            <a:latin typeface="Cambria Math" panose="02040503050406030204" pitchFamily="18" charset="0"/>
+                          </a:rPr>
+                        </m:ctrlPr>
+                      </m:dPr>
+                      <m:e>
+                        <m:r>
+                          <a:rPr lang="en-US" sz="1800" b="0" i="1" smtClean="0">
+                            <a:latin typeface="Cambria Math" panose="02040503050406030204" pitchFamily="18" charset="0"/>
+                          </a:rPr>
+                          <m:t>𝑡</m:t>
+                        </m:r>
+                      </m:e>
+                    </m:d>
+                    <m:r>
+                      <a:rPr lang="en-US" sz="1800" i="1" smtClean="0">
+                        <a:latin typeface="Cambria Math" panose="02040503050406030204" pitchFamily="18" charset="0"/>
+                      </a:rPr>
+                      <m:t>=</m:t>
+                    </m:r>
+                    <m:nary>
+                      <m:naryPr>
+                        <m:chr m:val="∏"/>
+                        <m:supHide m:val="on"/>
+                        <m:ctrlPr>
+                          <a:rPr lang="en-US" sz="1800" i="1" smtClean="0">
+                            <a:latin typeface="Cambria Math" panose="02040503050406030204" pitchFamily="18" charset="0"/>
+                          </a:rPr>
+                        </m:ctrlPr>
+                      </m:naryPr>
+                      <m:sub>
+                        <m:r>
+                          <m:rPr>
+                            <m:brk m:alnAt="7"/>
+                          </m:rPr>
+                          <a:rPr lang="en-US" sz="1800" b="0" i="1" smtClean="0">
+                            <a:latin typeface="Cambria Math" panose="02040503050406030204" pitchFamily="18" charset="0"/>
+                          </a:rPr>
+                          <m:t>𝑖</m:t>
+                        </m:r>
+                        <m:r>
+                          <a:rPr lang="en-US" sz="1800" b="0" i="1" smtClean="0">
+                            <a:latin typeface="Cambria Math" panose="02040503050406030204" pitchFamily="18" charset="0"/>
+                          </a:rPr>
+                          <m:t>: </m:t>
+                        </m:r>
+                        <m:sSub>
+                          <m:sSubPr>
+                            <m:ctrlPr>
+                              <a:rPr lang="en-US" sz="1800" b="0" i="1" smtClean="0">
+                                <a:latin typeface="Cambria Math" panose="02040503050406030204" pitchFamily="18" charset="0"/>
+                              </a:rPr>
+                            </m:ctrlPr>
+                          </m:sSubPr>
+                          <m:e>
+                            <m:r>
+                              <a:rPr lang="en-US" sz="1800" b="0" i="1" smtClean="0">
+                                <a:latin typeface="Cambria Math" panose="02040503050406030204" pitchFamily="18" charset="0"/>
+                              </a:rPr>
+                              <m:t>𝑡</m:t>
+                            </m:r>
+                          </m:e>
+                          <m:sub>
+                            <m:r>
+                              <a:rPr lang="en-US" sz="1800" b="0" i="1" smtClean="0">
+                                <a:latin typeface="Cambria Math" panose="02040503050406030204" pitchFamily="18" charset="0"/>
+                              </a:rPr>
+                              <m:t>𝑖</m:t>
+                            </m:r>
+                          </m:sub>
+                        </m:sSub>
+                        <m:r>
+                          <m:rPr>
+                            <m:brk m:alnAt="7"/>
+                          </m:rPr>
+                          <a:rPr lang="en-US" sz="1800" b="0" i="1" smtClean="0">
+                            <a:latin typeface="Cambria Math" panose="02040503050406030204" pitchFamily="18" charset="0"/>
+                          </a:rPr>
+                          <m:t>&lt;</m:t>
+                        </m:r>
+                        <m:r>
+                          <a:rPr lang="en-US" sz="1800" b="0" i="1" smtClean="0">
+                            <a:latin typeface="Cambria Math" panose="02040503050406030204" pitchFamily="18" charset="0"/>
+                          </a:rPr>
+                          <m:t>𝑡</m:t>
+                        </m:r>
+                      </m:sub>
+                      <m:sup/>
+                      <m:e>
+                        <m:r>
+                          <a:rPr lang="en-US" sz="1800" b="0" i="1" smtClean="0">
+                            <a:latin typeface="Cambria Math" panose="02040503050406030204" pitchFamily="18" charset="0"/>
+                          </a:rPr>
+                          <m:t>(1−</m:t>
+                        </m:r>
+                        <m:f>
+                          <m:fPr>
+                            <m:ctrlPr>
+                              <a:rPr lang="en-US" sz="1800" b="0" i="1" smtClean="0">
+                                <a:latin typeface="Cambria Math" panose="02040503050406030204" pitchFamily="18" charset="0"/>
+                              </a:rPr>
+                            </m:ctrlPr>
+                          </m:fPr>
+                          <m:num>
+                            <m:sSub>
+                              <m:sSubPr>
+                                <m:ctrlPr>
+                                  <a:rPr lang="en-US" sz="1800" b="0" i="1" smtClean="0">
+                                    <a:latin typeface="Cambria Math" panose="02040503050406030204" pitchFamily="18" charset="0"/>
+                                  </a:rPr>
+                                </m:ctrlPr>
+                              </m:sSubPr>
+                              <m:e>
+                                <m:r>
+                                  <a:rPr lang="en-US" sz="1800" b="0" i="1" smtClean="0">
+                                    <a:latin typeface="Cambria Math" panose="02040503050406030204" pitchFamily="18" charset="0"/>
+                                  </a:rPr>
+                                  <m:t>𝑑</m:t>
+                                </m:r>
+                              </m:e>
+                              <m:sub>
+                                <m:r>
+                                  <a:rPr lang="en-US" sz="1800" b="0" i="1" smtClean="0">
+                                    <a:latin typeface="Cambria Math" panose="02040503050406030204" pitchFamily="18" charset="0"/>
+                                  </a:rPr>
+                                  <m:t>𝑖</m:t>
+                                </m:r>
+                              </m:sub>
+                            </m:sSub>
+                          </m:num>
+                          <m:den>
+                            <m:sSub>
+                              <m:sSubPr>
+                                <m:ctrlPr>
+                                  <a:rPr lang="en-US" sz="1800" b="0" i="1" smtClean="0">
+                                    <a:latin typeface="Cambria Math" panose="02040503050406030204" pitchFamily="18" charset="0"/>
+                                  </a:rPr>
+                                </m:ctrlPr>
+                              </m:sSubPr>
+                              <m:e>
+                                <m:r>
+                                  <a:rPr lang="en-US" sz="1800" b="0" i="1" smtClean="0">
+                                    <a:latin typeface="Cambria Math" panose="02040503050406030204" pitchFamily="18" charset="0"/>
+                                  </a:rPr>
+                                  <m:t>𝑛</m:t>
+                                </m:r>
+                              </m:e>
+                              <m:sub>
+                                <m:r>
+                                  <a:rPr lang="en-US" sz="1800" b="0" i="1" smtClean="0">
+                                    <a:latin typeface="Cambria Math" panose="02040503050406030204" pitchFamily="18" charset="0"/>
+                                  </a:rPr>
+                                  <m:t>𝑖</m:t>
+                                </m:r>
+                              </m:sub>
+                            </m:sSub>
+                          </m:den>
+                        </m:f>
+                      </m:e>
+                    </m:nary>
+                    <m:r>
+                      <a:rPr lang="en-US" sz="1800" b="0" i="1" smtClean="0">
+                        <a:latin typeface="Cambria Math" panose="02040503050406030204" pitchFamily="18" charset="0"/>
+                      </a:rPr>
+                      <m:t>)</m:t>
+                    </m:r>
+                    <m:r>
+                      <a:rPr lang="en-US" sz="1800" i="1">
+                        <a:latin typeface="Cambria Math" panose="02040503050406030204" pitchFamily="18" charset="0"/>
+                      </a:rPr>
+                      <m:t>= </m:t>
+                    </m:r>
+                    <m:f>
+                      <m:fPr>
+                        <m:ctrlPr>
+                          <a:rPr lang="en-US" sz="1800" i="1">
+                            <a:latin typeface="Cambria Math" panose="02040503050406030204" pitchFamily="18" charset="0"/>
+                          </a:rPr>
+                        </m:ctrlPr>
+                      </m:fPr>
+                      <m:num>
+                        <m:r>
+                          <a:rPr lang="en-US" sz="1800" i="1">
+                            <a:latin typeface="Cambria Math" panose="02040503050406030204" pitchFamily="18" charset="0"/>
+                          </a:rPr>
+                          <m:t>𝑁𝑢𝑚𝑏𝑒𝑟</m:t>
+                        </m:r>
+                        <m:r>
+                          <a:rPr lang="en-US" sz="1800" i="1">
+                            <a:latin typeface="Cambria Math" panose="02040503050406030204" pitchFamily="18" charset="0"/>
+                          </a:rPr>
+                          <m:t> </m:t>
+                        </m:r>
+                        <m:r>
+                          <a:rPr lang="en-US" sz="1800" i="1">
+                            <a:latin typeface="Cambria Math" panose="02040503050406030204" pitchFamily="18" charset="0"/>
+                          </a:rPr>
+                          <m:t>𝑜𝑓</m:t>
+                        </m:r>
+                        <m:r>
+                          <a:rPr lang="en-US" sz="1800" i="1">
+                            <a:latin typeface="Cambria Math" panose="02040503050406030204" pitchFamily="18" charset="0"/>
+                          </a:rPr>
+                          <m:t> </m:t>
+                        </m:r>
+                        <m:r>
+                          <a:rPr lang="en-US" sz="1800" i="1">
+                            <a:latin typeface="Cambria Math" panose="02040503050406030204" pitchFamily="18" charset="0"/>
+                          </a:rPr>
+                          <m:t>𝑠𝑢𝑏𝑗𝑒𝑐𝑡𝑠</m:t>
+                        </m:r>
+                        <m:r>
+                          <a:rPr lang="en-US" sz="1800" i="1">
+                            <a:latin typeface="Cambria Math" panose="02040503050406030204" pitchFamily="18" charset="0"/>
+                          </a:rPr>
+                          <m:t> </m:t>
+                        </m:r>
+                        <m:r>
+                          <a:rPr lang="en-US" sz="1800" i="1">
+                            <a:latin typeface="Cambria Math" panose="02040503050406030204" pitchFamily="18" charset="0"/>
+                          </a:rPr>
+                          <m:t>𝑙𝑖𝑣𝑖𝑛𝑔</m:t>
+                        </m:r>
+                        <m:r>
+                          <a:rPr lang="en-US" sz="1800" i="1">
+                            <a:latin typeface="Cambria Math" panose="02040503050406030204" pitchFamily="18" charset="0"/>
+                          </a:rPr>
+                          <m:t> </m:t>
+                        </m:r>
+                        <m:r>
+                          <a:rPr lang="en-US" sz="1800" i="1">
+                            <a:latin typeface="Cambria Math" panose="02040503050406030204" pitchFamily="18" charset="0"/>
+                          </a:rPr>
+                          <m:t>𝑎𝑡</m:t>
+                        </m:r>
+                        <m:r>
+                          <a:rPr lang="en-US" sz="1800" i="1">
+                            <a:latin typeface="Cambria Math" panose="02040503050406030204" pitchFamily="18" charset="0"/>
+                          </a:rPr>
+                          <m:t> </m:t>
+                        </m:r>
+                        <m:r>
+                          <a:rPr lang="en-US" sz="1800" i="1">
+                            <a:latin typeface="Cambria Math" panose="02040503050406030204" pitchFamily="18" charset="0"/>
+                          </a:rPr>
+                          <m:t>𝑠𝑡𝑎𝑟𝑡</m:t>
+                        </m:r>
+                        <m:r>
+                          <a:rPr lang="en-US" sz="1800" i="1">
+                            <a:latin typeface="Cambria Math" panose="02040503050406030204" pitchFamily="18" charset="0"/>
+                          </a:rPr>
+                          <m:t> −</m:t>
+                        </m:r>
+                        <m:r>
+                          <a:rPr lang="en-US" sz="1800" i="1">
+                            <a:latin typeface="Cambria Math" panose="02040503050406030204" pitchFamily="18" charset="0"/>
+                          </a:rPr>
+                          <m:t>𝑁𝑢𝑚𝑏𝑒𝑟</m:t>
+                        </m:r>
+                        <m:r>
+                          <a:rPr lang="en-US" sz="1800" i="1">
+                            <a:latin typeface="Cambria Math" panose="02040503050406030204" pitchFamily="18" charset="0"/>
+                          </a:rPr>
+                          <m:t> </m:t>
+                        </m:r>
+                        <m:r>
+                          <a:rPr lang="en-US" sz="1800" i="1">
+                            <a:latin typeface="Cambria Math" panose="02040503050406030204" pitchFamily="18" charset="0"/>
+                          </a:rPr>
+                          <m:t>𝑜𝑓</m:t>
+                        </m:r>
+                        <m:r>
+                          <a:rPr lang="en-US" sz="1800" i="1">
+                            <a:latin typeface="Cambria Math" panose="02040503050406030204" pitchFamily="18" charset="0"/>
+                          </a:rPr>
+                          <m:t> </m:t>
+                        </m:r>
+                        <m:r>
+                          <a:rPr lang="en-US" sz="1800" i="1">
+                            <a:latin typeface="Cambria Math" panose="02040503050406030204" pitchFamily="18" charset="0"/>
+                          </a:rPr>
+                          <m:t>𝑠𝑢𝑏𝑗𝑒𝑐𝑡𝑠</m:t>
+                        </m:r>
+                        <m:r>
+                          <a:rPr lang="en-US" sz="1800" i="1">
+                            <a:latin typeface="Cambria Math" panose="02040503050406030204" pitchFamily="18" charset="0"/>
+                          </a:rPr>
+                          <m:t> </m:t>
+                        </m:r>
+                        <m:r>
+                          <a:rPr lang="en-US" sz="1800" i="1">
+                            <a:latin typeface="Cambria Math" panose="02040503050406030204" pitchFamily="18" charset="0"/>
+                          </a:rPr>
+                          <m:t>𝑑𝑖𝑒𝑑</m:t>
+                        </m:r>
+                      </m:num>
+                      <m:den>
+                        <m:r>
+                          <a:rPr lang="en-US" sz="1800" i="1">
+                            <a:latin typeface="Cambria Math" panose="02040503050406030204" pitchFamily="18" charset="0"/>
+                          </a:rPr>
+                          <m:t>𝑁𝑢𝑚𝑏𝑒𝑟</m:t>
+                        </m:r>
+                        <m:r>
+                          <a:rPr lang="en-US" sz="1800" i="1">
+                            <a:latin typeface="Cambria Math" panose="02040503050406030204" pitchFamily="18" charset="0"/>
+                          </a:rPr>
+                          <m:t> </m:t>
+                        </m:r>
+                        <m:r>
+                          <a:rPr lang="en-US" sz="1800" i="1">
+                            <a:latin typeface="Cambria Math" panose="02040503050406030204" pitchFamily="18" charset="0"/>
+                          </a:rPr>
+                          <m:t>𝑜𝑓</m:t>
+                        </m:r>
+                        <m:r>
+                          <a:rPr lang="en-US" sz="1800" i="1">
+                            <a:latin typeface="Cambria Math" panose="02040503050406030204" pitchFamily="18" charset="0"/>
+                          </a:rPr>
+                          <m:t> </m:t>
+                        </m:r>
+                        <m:r>
+                          <a:rPr lang="en-US" sz="1800" i="1">
+                            <a:latin typeface="Cambria Math" panose="02040503050406030204" pitchFamily="18" charset="0"/>
+                          </a:rPr>
+                          <m:t>𝑠𝑢𝑏𝑗𝑒𝑐𝑡𝑠</m:t>
+                        </m:r>
+                        <m:r>
+                          <a:rPr lang="en-US" sz="1800" i="1">
+                            <a:latin typeface="Cambria Math" panose="02040503050406030204" pitchFamily="18" charset="0"/>
+                          </a:rPr>
+                          <m:t> </m:t>
+                        </m:r>
+                        <m:r>
+                          <a:rPr lang="en-US" sz="1800" i="1">
+                            <a:latin typeface="Cambria Math" panose="02040503050406030204" pitchFamily="18" charset="0"/>
+                          </a:rPr>
+                          <m:t>𝑙𝑖𝑣𝑖𝑛𝑔</m:t>
+                        </m:r>
+                        <m:r>
+                          <a:rPr lang="en-US" sz="1800" i="1">
+                            <a:latin typeface="Cambria Math" panose="02040503050406030204" pitchFamily="18" charset="0"/>
+                          </a:rPr>
+                          <m:t> </m:t>
+                        </m:r>
+                        <m:r>
+                          <a:rPr lang="en-US" sz="1800" i="1">
+                            <a:latin typeface="Cambria Math" panose="02040503050406030204" pitchFamily="18" charset="0"/>
+                          </a:rPr>
+                          <m:t>𝑎𝑡</m:t>
+                        </m:r>
+                        <m:r>
+                          <a:rPr lang="en-US" sz="1800" i="1">
+                            <a:latin typeface="Cambria Math" panose="02040503050406030204" pitchFamily="18" charset="0"/>
+                          </a:rPr>
+                          <m:t> </m:t>
+                        </m:r>
+                        <m:r>
+                          <a:rPr lang="en-US" sz="1800" i="1">
+                            <a:latin typeface="Cambria Math" panose="02040503050406030204" pitchFamily="18" charset="0"/>
+                          </a:rPr>
+                          <m:t>𝑠𝑡𝑎𝑟𝑡</m:t>
+                        </m:r>
+                      </m:den>
+                    </m:f>
+                  </m:oMath>
+                </a14:m>
+                <a:endParaRPr lang="en-US" sz="1800" dirty="0"/>
+              </a:p>
+              <a:p>
+                <a:pPr lvl="1">
+                  <a:buFont typeface="+mj-lt"/>
+                  <a:buAutoNum type="arabicPeriod"/>
+                </a:pPr>
+                <a:r>
+                  <a:rPr lang="en-US" sz="1800" dirty="0"/>
+                  <a:t>Here </a:t>
+                </a:r>
+                <a14:m>
+                  <m:oMath xmlns:m="http://schemas.openxmlformats.org/officeDocument/2006/math">
+                    <m:sSub>
+                      <m:sSubPr>
+                        <m:ctrlPr>
+                          <a:rPr lang="en-US" sz="1800" i="1">
+                            <a:latin typeface="Cambria Math" panose="02040503050406030204" pitchFamily="18" charset="0"/>
+                          </a:rPr>
+                        </m:ctrlPr>
+                      </m:sSubPr>
+                      <m:e>
+                        <m:r>
+                          <a:rPr lang="en-US" sz="1800" i="1">
+                            <a:latin typeface="Cambria Math" panose="02040503050406030204" pitchFamily="18" charset="0"/>
+                          </a:rPr>
+                          <m:t>𝑡</m:t>
+                        </m:r>
+                      </m:e>
+                      <m:sub>
+                        <m:r>
+                          <a:rPr lang="en-US" sz="1800" i="1">
+                            <a:latin typeface="Cambria Math" panose="02040503050406030204" pitchFamily="18" charset="0"/>
+                          </a:rPr>
+                          <m:t>𝑖</m:t>
+                        </m:r>
+                      </m:sub>
+                    </m:sSub>
+                  </m:oMath>
+                </a14:m>
+                <a:r>
+                  <a:rPr lang="en-US" sz="1800" dirty="0"/>
+                  <a:t> is a time when at least one event has happened, </a:t>
+                </a:r>
+                <a14:m>
+                  <m:oMath xmlns:m="http://schemas.openxmlformats.org/officeDocument/2006/math">
+                    <m:sSub>
+                      <m:sSubPr>
+                        <m:ctrlPr>
+                          <a:rPr lang="en-US" sz="1800" i="1">
+                            <a:latin typeface="Cambria Math" panose="02040503050406030204" pitchFamily="18" charset="0"/>
+                          </a:rPr>
+                        </m:ctrlPr>
+                      </m:sSubPr>
+                      <m:e>
+                        <m:r>
+                          <a:rPr lang="en-US" sz="1800" i="1">
+                            <a:latin typeface="Cambria Math" panose="02040503050406030204" pitchFamily="18" charset="0"/>
+                          </a:rPr>
+                          <m:t>𝑑</m:t>
+                        </m:r>
+                      </m:e>
+                      <m:sub>
+                        <m:r>
+                          <a:rPr lang="en-US" sz="1800" i="1">
+                            <a:latin typeface="Cambria Math" panose="02040503050406030204" pitchFamily="18" charset="0"/>
+                          </a:rPr>
+                          <m:t>𝑖</m:t>
+                        </m:r>
+                      </m:sub>
+                    </m:sSub>
+                  </m:oMath>
+                </a14:m>
+                <a:r>
+                  <a:rPr lang="en-US" sz="1800" dirty="0"/>
+                  <a:t> is the number of events that happened at time </a:t>
+                </a:r>
+                <a14:m>
+                  <m:oMath xmlns:m="http://schemas.openxmlformats.org/officeDocument/2006/math">
+                    <m:sSub>
+                      <m:sSubPr>
+                        <m:ctrlPr>
+                          <a:rPr lang="en-US" sz="1800" i="1">
+                            <a:latin typeface="Cambria Math" panose="02040503050406030204" pitchFamily="18" charset="0"/>
+                          </a:rPr>
+                        </m:ctrlPr>
+                      </m:sSubPr>
+                      <m:e>
+                        <m:r>
+                          <a:rPr lang="en-US" sz="1800" i="1">
+                            <a:latin typeface="Cambria Math" panose="02040503050406030204" pitchFamily="18" charset="0"/>
+                          </a:rPr>
+                          <m:t>𝑡</m:t>
+                        </m:r>
+                      </m:e>
+                      <m:sub>
+                        <m:r>
+                          <a:rPr lang="en-US" sz="1800" i="1">
+                            <a:latin typeface="Cambria Math" panose="02040503050406030204" pitchFamily="18" charset="0"/>
+                          </a:rPr>
+                          <m:t>𝑖</m:t>
+                        </m:r>
+                      </m:sub>
+                    </m:sSub>
+                  </m:oMath>
+                </a14:m>
+                <a:r>
+                  <a:rPr lang="en-US" sz="1800" dirty="0"/>
+                  <a:t> and </a:t>
+                </a:r>
+                <a14:m>
+                  <m:oMath xmlns:m="http://schemas.openxmlformats.org/officeDocument/2006/math">
+                    <m:sSub>
+                      <m:sSubPr>
+                        <m:ctrlPr>
+                          <a:rPr lang="en-US" sz="1800" i="1">
+                            <a:latin typeface="Cambria Math" panose="02040503050406030204" pitchFamily="18" charset="0"/>
+                          </a:rPr>
+                        </m:ctrlPr>
+                      </m:sSubPr>
+                      <m:e>
+                        <m:r>
+                          <a:rPr lang="en-US" sz="1800" i="1">
+                            <a:latin typeface="Cambria Math" panose="02040503050406030204" pitchFamily="18" charset="0"/>
+                          </a:rPr>
+                          <m:t>𝑛</m:t>
+                        </m:r>
+                      </m:e>
+                      <m:sub>
+                        <m:r>
+                          <a:rPr lang="en-US" sz="1800" i="1">
+                            <a:latin typeface="Cambria Math" panose="02040503050406030204" pitchFamily="18" charset="0"/>
+                          </a:rPr>
+                          <m:t>𝑖</m:t>
+                        </m:r>
+                      </m:sub>
+                    </m:sSub>
+                  </m:oMath>
+                </a14:m>
+                <a:r>
+                  <a:rPr lang="en-US" sz="1800" dirty="0"/>
+                  <a:t> the individuals known to survive up to time </a:t>
+                </a:r>
+                <a14:m>
+                  <m:oMath xmlns:m="http://schemas.openxmlformats.org/officeDocument/2006/math">
+                    <m:sSub>
+                      <m:sSubPr>
+                        <m:ctrlPr>
+                          <a:rPr lang="en-US" sz="1800" i="1">
+                            <a:latin typeface="Cambria Math" panose="02040503050406030204" pitchFamily="18" charset="0"/>
+                          </a:rPr>
+                        </m:ctrlPr>
+                      </m:sSubPr>
+                      <m:e>
+                        <m:r>
+                          <a:rPr lang="en-US" sz="1800" i="1">
+                            <a:latin typeface="Cambria Math" panose="02040503050406030204" pitchFamily="18" charset="0"/>
+                          </a:rPr>
+                          <m:t>𝑡</m:t>
+                        </m:r>
+                      </m:e>
+                      <m:sub>
+                        <m:r>
+                          <a:rPr lang="en-US" sz="1800" i="1">
+                            <a:latin typeface="Cambria Math" panose="02040503050406030204" pitchFamily="18" charset="0"/>
+                          </a:rPr>
+                          <m:t>𝑖</m:t>
+                        </m:r>
+                      </m:sub>
+                    </m:sSub>
+                  </m:oMath>
+                </a14:m>
+                <a:r>
+                  <a:rPr lang="en-US" sz="1800" dirty="0"/>
+                  <a:t> </a:t>
+                </a:r>
+              </a:p>
+            </p:txBody>
+          </p:sp>
+        </mc:Choice>
+        <mc:Fallback xmlns="">
+          <p:sp>
+            <p:nvSpPr>
+              <p:cNvPr id="3" name="Text Placeholder 2">
+                <a:extLst>
+                  <a:ext uri="{FF2B5EF4-FFF2-40B4-BE49-F238E27FC236}">
+                    <a16:creationId xmlns:a16="http://schemas.microsoft.com/office/drawing/2014/main" id="{6DDE384C-A948-466B-8661-63AF5287BA47}"/>
+                  </a:ext>
+                </a:extLst>
+              </p:cNvPr>
+              <p:cNvSpPr>
+                <a:spLocks noGrp="1" noRot="1" noChangeAspect="1" noMove="1" noResize="1" noEditPoints="1" noAdjustHandles="1" noChangeArrowheads="1" noChangeShapeType="1" noTextEdit="1"/>
+              </p:cNvSpPr>
+              <p:nvPr>
+                <p:ph type="body" idx="1"/>
+              </p:nvPr>
+            </p:nvSpPr>
+            <p:spPr>
+              <a:xfrm>
+                <a:off x="311700" y="1152475"/>
+                <a:ext cx="8103880" cy="3416400"/>
+              </a:xfrm>
+              <a:blipFill>
+                <a:blip r:embed="rId2"/>
+                <a:stretch>
+                  <a:fillRect b="-9107"/>
+                </a:stretch>
+              </a:blipFill>
+            </p:spPr>
+            <p:txBody>
+              <a:bodyPr/>
+              <a:lstStyle/>
+              <a:p>
+                <a:r>
+                  <a:rPr lang="en-US">
+                    <a:noFill/>
+                  </a:rPr>
+                  <a:t> </a:t>
+                </a:r>
+              </a:p>
+            </p:txBody>
+          </p:sp>
+        </mc:Fallback>
+      </mc:AlternateContent>
+    </p:spTree>
+    <p:extLst>
+      <p:ext uri="{BB962C8B-B14F-4D97-AF65-F5344CB8AC3E}">
+        <p14:creationId xmlns:p14="http://schemas.microsoft.com/office/powerpoint/2010/main" val="154327300"/>
+      </p:ext>
+    </p:extLst>
+  </p:cSld>
+  <p:clrMapOvr>
+    <a:masterClrMapping/>
+  </p:clrMapOvr>
+</p:sld>
+</file>
+
+<file path=ppt/slides/slide8.xml><?xml version="1.0" encoding="utf-8"?>
+<p:sld xmlns:a="http://schemas.openxmlformats.org/drawingml/2006/main" xmlns:r="http://schemas.openxmlformats.org/officeDocument/2006/relationships" xmlns:p="http://schemas.openxmlformats.org/presentationml/2006/main">
+  <p:cSld>
+    <p:spTree>
+      <p:nvGrpSpPr>
+        <p:cNvPr id="1" name=""/>
+        <p:cNvGrpSpPr/>
+        <p:nvPr/>
+      </p:nvGrpSpPr>
+      <p:grpSpPr>
+        <a:xfrm>
+          <a:off x="0" y="0"/>
+          <a:ext cx="0" cy="0"/>
+          <a:chOff x="0" y="0"/>
+          <a:chExt cx="0" cy="0"/>
+        </a:xfrm>
+      </p:grpSpPr>
       <p:sp>
         <p:nvSpPr>
-          <p:cNvPr id="3" name="Text Placeholder 2">
+          <p:cNvPr id="2" name="Title 1">
             <a:extLst>
               <a:ext uri="{FF2B5EF4-FFF2-40B4-BE49-F238E27FC236}">
-                <a16:creationId xmlns:a16="http://schemas.microsoft.com/office/drawing/2014/main" id="{EE88BA79-11BD-4950-A2F2-84D70ED474B2}"/>
+                <a16:creationId xmlns:a16="http://schemas.microsoft.com/office/drawing/2014/main" id="{C05E7DF6-C15A-4459-B236-D8E3209F8461}"/>
               </a:ext>
             </a:extLst>
           </p:cNvPr>
@@ -7686,7 +8598,7 @@
             <a:spLocks noGrp="1"/>
           </p:cNvSpPr>
           <p:nvPr>
-            <p:ph type="body" idx="1"/>
+            <p:ph type="title"/>
           </p:nvPr>
         </p:nvSpPr>
         <p:spPr/>
@@ -7694,14 +8606,2005 @@
           <a:bodyPr/>
           <a:lstStyle/>
           <a:p>
-            <a:endParaRPr lang="en-IN"/>
+            <a:r>
+              <a:rPr lang="en-US" dirty="0"/>
+              <a:t>Parametric Models: Weibull Curve</a:t>
+            </a:r>
           </a:p>
         </p:txBody>
       </p:sp>
+      <mc:AlternateContent xmlns:mc="http://schemas.openxmlformats.org/markup-compatibility/2006" xmlns:a14="http://schemas.microsoft.com/office/drawing/2010/main">
+        <mc:Choice Requires="a14">
+          <p:sp>
+            <p:nvSpPr>
+              <p:cNvPr id="3" name="Text Placeholder 2">
+                <a:extLst>
+                  <a:ext uri="{FF2B5EF4-FFF2-40B4-BE49-F238E27FC236}">
+                    <a16:creationId xmlns:a16="http://schemas.microsoft.com/office/drawing/2014/main" id="{8496E38B-FBB4-4C87-99E9-7D5C41DFF7C3}"/>
+                  </a:ext>
+                </a:extLst>
+              </p:cNvPr>
+              <p:cNvSpPr>
+                <a:spLocks noGrp="1"/>
+              </p:cNvSpPr>
+              <p:nvPr>
+                <p:ph type="body" idx="1"/>
+              </p:nvPr>
+            </p:nvSpPr>
+            <p:spPr>
+              <a:xfrm>
+                <a:off x="311700" y="1152474"/>
+                <a:ext cx="8072883" cy="3991025"/>
+              </a:xfrm>
+            </p:spPr>
+            <p:txBody>
+              <a:bodyPr/>
+              <a:lstStyle/>
+              <a:p>
+                <a:pPr>
+                  <a:buFont typeface="+mj-lt"/>
+                  <a:buAutoNum type="arabicPeriod"/>
+                </a:pPr>
+                <a:r>
+                  <a:rPr lang="en-US" sz="1600" dirty="0"/>
+                  <a:t>In parametric modelling we assume the PDF of T to follow a curve. This curve be a function of some parameters. </a:t>
+                </a:r>
+              </a:p>
+              <a:p>
+                <a:pPr>
+                  <a:buFont typeface="+mj-lt"/>
+                  <a:buAutoNum type="arabicPeriod"/>
+                </a:pPr>
+                <a:endParaRPr lang="en-US" sz="1600" dirty="0"/>
+              </a:p>
+              <a:p>
+                <a:pPr>
+                  <a:buFont typeface="+mj-lt"/>
+                  <a:buAutoNum type="arabicPeriod"/>
+                </a:pPr>
+                <a:r>
+                  <a:rPr lang="en-US" sz="1600" dirty="0"/>
+                  <a:t>Using the data at hand we estimate these parameters using MLE.</a:t>
+                </a:r>
+              </a:p>
+              <a:p>
+                <a:pPr>
+                  <a:buFont typeface="+mj-lt"/>
+                  <a:buAutoNum type="arabicPeriod"/>
+                </a:pPr>
+                <a:endParaRPr lang="en-US" sz="1600" dirty="0"/>
+              </a:p>
+              <a:p>
+                <a:pPr>
+                  <a:buFont typeface="+mj-lt"/>
+                  <a:buAutoNum type="arabicPeriod"/>
+                </a:pPr>
+                <a:r>
+                  <a:rPr lang="en-US" sz="1600" dirty="0"/>
+                  <a:t>Then we calculate the survival/hazard function using the equations discussed earlier.</a:t>
+                </a:r>
+              </a:p>
+              <a:p>
+                <a:pPr>
+                  <a:buFont typeface="+mj-lt"/>
+                  <a:buAutoNum type="arabicPeriod"/>
+                </a:pPr>
+                <a:endParaRPr lang="en-US" sz="1600" dirty="0"/>
+              </a:p>
+              <a:p>
+                <a:pPr>
+                  <a:buFont typeface="+mj-lt"/>
+                  <a:buAutoNum type="arabicPeriod"/>
+                </a:pPr>
+                <a:r>
+                  <a:rPr lang="en-US" sz="1600" dirty="0"/>
+                  <a:t>A popular example of such curve is the Weibull distribution.</a:t>
+                </a:r>
+              </a:p>
+              <a:p>
+                <a:pPr>
+                  <a:buFont typeface="+mj-lt"/>
+                  <a:buAutoNum type="arabicPeriod"/>
+                </a:pPr>
+                <a:endParaRPr lang="en-US" sz="1600" dirty="0"/>
+              </a:p>
+              <a:p>
+                <a:pPr>
+                  <a:buFont typeface="+mj-lt"/>
+                  <a:buAutoNum type="arabicPeriod"/>
+                </a:pPr>
+                <a:r>
+                  <a:rPr lang="en-US" sz="1600" dirty="0"/>
+                  <a:t>Weibull Distribution:</a:t>
+                </a:r>
+              </a:p>
+              <a:p>
+                <a:pPr lvl="1">
+                  <a:buFont typeface="+mj-lt"/>
+                  <a:buAutoNum type="arabicPeriod"/>
+                </a:pPr>
+                <a14:m>
+                  <m:oMath xmlns:m="http://schemas.openxmlformats.org/officeDocument/2006/math">
+                    <m:r>
+                      <a:rPr lang="en-US" sz="1600" b="0" i="1" smtClean="0">
+                        <a:latin typeface="Cambria Math" panose="02040503050406030204" pitchFamily="18" charset="0"/>
+                      </a:rPr>
+                      <m:t>𝑓</m:t>
+                    </m:r>
+                    <m:d>
+                      <m:dPr>
+                        <m:ctrlPr>
+                          <a:rPr lang="en-US" sz="1600" b="0" i="1" smtClean="0">
+                            <a:latin typeface="Cambria Math" panose="02040503050406030204" pitchFamily="18" charset="0"/>
+                          </a:rPr>
+                        </m:ctrlPr>
+                      </m:dPr>
+                      <m:e>
+                        <m:r>
+                          <a:rPr lang="en-US" sz="1600" b="0" i="1" smtClean="0">
+                            <a:latin typeface="Cambria Math" panose="02040503050406030204" pitchFamily="18" charset="0"/>
+                          </a:rPr>
+                          <m:t>𝑡</m:t>
+                        </m:r>
+                        <m:r>
+                          <a:rPr lang="en-US" sz="1600" b="0" i="1" smtClean="0">
+                            <a:latin typeface="Cambria Math" panose="02040503050406030204" pitchFamily="18" charset="0"/>
+                          </a:rPr>
+                          <m:t>;</m:t>
+                        </m:r>
+                        <m:r>
+                          <a:rPr lang="en-US" sz="1600" b="0" i="1" smtClean="0">
+                            <a:latin typeface="Cambria Math" panose="02040503050406030204" pitchFamily="18" charset="0"/>
+                            <a:ea typeface="Cambria Math" panose="02040503050406030204" pitchFamily="18" charset="0"/>
+                          </a:rPr>
+                          <m:t>𝜆</m:t>
+                        </m:r>
+                        <m:r>
+                          <a:rPr lang="en-US" sz="1600" b="0" i="1" smtClean="0">
+                            <a:latin typeface="Cambria Math" panose="02040503050406030204" pitchFamily="18" charset="0"/>
+                            <a:ea typeface="Cambria Math" panose="02040503050406030204" pitchFamily="18" charset="0"/>
+                          </a:rPr>
+                          <m:t>, </m:t>
+                        </m:r>
+                        <m:r>
+                          <a:rPr lang="en-US" sz="1600" b="0" i="1" smtClean="0">
+                            <a:latin typeface="Cambria Math" panose="02040503050406030204" pitchFamily="18" charset="0"/>
+                            <a:ea typeface="Cambria Math" panose="02040503050406030204" pitchFamily="18" charset="0"/>
+                          </a:rPr>
+                          <m:t>𝑘</m:t>
+                        </m:r>
+                      </m:e>
+                    </m:d>
+                    <m:r>
+                      <a:rPr lang="en-US" sz="1600" b="0" i="1" smtClean="0">
+                        <a:latin typeface="Cambria Math" panose="02040503050406030204" pitchFamily="18" charset="0"/>
+                      </a:rPr>
+                      <m:t>= </m:t>
+                    </m:r>
+                    <m:d>
+                      <m:dPr>
+                        <m:begChr m:val="{"/>
+                        <m:endChr m:val=""/>
+                        <m:ctrlPr>
+                          <a:rPr lang="en-US" sz="1600" b="0" i="1" smtClean="0">
+                            <a:latin typeface="Cambria Math" panose="02040503050406030204" pitchFamily="18" charset="0"/>
+                          </a:rPr>
+                        </m:ctrlPr>
+                      </m:dPr>
+                      <m:e>
+                        <m:eqArr>
+                          <m:eqArrPr>
+                            <m:ctrlPr>
+                              <a:rPr lang="en-US" sz="1600" b="0" i="1" smtClean="0">
+                                <a:latin typeface="Cambria Math" panose="02040503050406030204" pitchFamily="18" charset="0"/>
+                              </a:rPr>
+                            </m:ctrlPr>
+                          </m:eqArrPr>
+                          <m:e>
+                            <m:f>
+                              <m:fPr>
+                                <m:ctrlPr>
+                                  <a:rPr lang="en-US" sz="1600" b="0" i="1" smtClean="0">
+                                    <a:latin typeface="Cambria Math" panose="02040503050406030204" pitchFamily="18" charset="0"/>
+                                  </a:rPr>
+                                </m:ctrlPr>
+                              </m:fPr>
+                              <m:num>
+                                <m:r>
+                                  <a:rPr lang="en-US" sz="1600" b="0" i="1" smtClean="0">
+                                    <a:latin typeface="Cambria Math" panose="02040503050406030204" pitchFamily="18" charset="0"/>
+                                  </a:rPr>
+                                  <m:t>𝑘</m:t>
+                                </m:r>
+                              </m:num>
+                              <m:den>
+                                <m:r>
+                                  <a:rPr lang="en-US" sz="1600" i="1">
+                                    <a:latin typeface="Cambria Math" panose="02040503050406030204" pitchFamily="18" charset="0"/>
+                                    <a:ea typeface="Cambria Math" panose="02040503050406030204" pitchFamily="18" charset="0"/>
+                                  </a:rPr>
+                                  <m:t>𝜆</m:t>
+                                </m:r>
+                              </m:den>
+                            </m:f>
+                            <m:sSup>
+                              <m:sSupPr>
+                                <m:ctrlPr>
+                                  <a:rPr lang="en-US" sz="1600" b="0" i="1" smtClean="0">
+                                    <a:latin typeface="Cambria Math" panose="02040503050406030204" pitchFamily="18" charset="0"/>
+                                  </a:rPr>
+                                </m:ctrlPr>
+                              </m:sSupPr>
+                              <m:e>
+                                <m:r>
+                                  <a:rPr lang="en-US" sz="1600" b="0" i="1" smtClean="0">
+                                    <a:latin typeface="Cambria Math" panose="02040503050406030204" pitchFamily="18" charset="0"/>
+                                  </a:rPr>
+                                  <m:t>(</m:t>
+                                </m:r>
+                                <m:f>
+                                  <m:fPr>
+                                    <m:ctrlPr>
+                                      <a:rPr lang="en-US" sz="1600" b="0" i="1" smtClean="0">
+                                        <a:latin typeface="Cambria Math" panose="02040503050406030204" pitchFamily="18" charset="0"/>
+                                      </a:rPr>
+                                    </m:ctrlPr>
+                                  </m:fPr>
+                                  <m:num>
+                                    <m:r>
+                                      <a:rPr lang="en-US" sz="1600" b="0" i="1" smtClean="0">
+                                        <a:latin typeface="Cambria Math" panose="02040503050406030204" pitchFamily="18" charset="0"/>
+                                      </a:rPr>
+                                      <m:t>𝑡</m:t>
+                                    </m:r>
+                                  </m:num>
+                                  <m:den>
+                                    <m:r>
+                                      <a:rPr lang="en-US" sz="1600" i="1">
+                                        <a:latin typeface="Cambria Math" panose="02040503050406030204" pitchFamily="18" charset="0"/>
+                                        <a:ea typeface="Cambria Math" panose="02040503050406030204" pitchFamily="18" charset="0"/>
+                                      </a:rPr>
+                                      <m:t>𝜆</m:t>
+                                    </m:r>
+                                  </m:den>
+                                </m:f>
+                                <m:r>
+                                  <a:rPr lang="en-US" sz="1600" b="0" i="1" smtClean="0">
+                                    <a:latin typeface="Cambria Math" panose="02040503050406030204" pitchFamily="18" charset="0"/>
+                                  </a:rPr>
+                                  <m:t>)</m:t>
+                                </m:r>
+                              </m:e>
+                              <m:sup>
+                                <m:r>
+                                  <a:rPr lang="en-US" sz="1600" b="0" i="1" smtClean="0">
+                                    <a:latin typeface="Cambria Math" panose="02040503050406030204" pitchFamily="18" charset="0"/>
+                                  </a:rPr>
+                                  <m:t>𝑘</m:t>
+                                </m:r>
+                                <m:r>
+                                  <a:rPr lang="en-US" sz="1600" b="0" i="1" smtClean="0">
+                                    <a:latin typeface="Cambria Math" panose="02040503050406030204" pitchFamily="18" charset="0"/>
+                                  </a:rPr>
+                                  <m:t>−1</m:t>
+                                </m:r>
+                              </m:sup>
+                            </m:sSup>
+                            <m:sSup>
+                              <m:sSupPr>
+                                <m:ctrlPr>
+                                  <a:rPr lang="en-US" sz="1600" b="0" i="1" smtClean="0">
+                                    <a:latin typeface="Cambria Math" panose="02040503050406030204" pitchFamily="18" charset="0"/>
+                                  </a:rPr>
+                                </m:ctrlPr>
+                              </m:sSupPr>
+                              <m:e>
+                                <m:r>
+                                  <a:rPr lang="en-US" sz="1600" b="0" i="1" smtClean="0">
+                                    <a:latin typeface="Cambria Math" panose="02040503050406030204" pitchFamily="18" charset="0"/>
+                                  </a:rPr>
+                                  <m:t>𝑒</m:t>
+                                </m:r>
+                              </m:e>
+                              <m:sup>
+                                <m:r>
+                                  <a:rPr lang="en-US" sz="1600" b="0" i="1" smtClean="0">
+                                    <a:latin typeface="Cambria Math" panose="02040503050406030204" pitchFamily="18" charset="0"/>
+                                  </a:rPr>
+                                  <m:t>−</m:t>
+                                </m:r>
+                                <m:sSup>
+                                  <m:sSupPr>
+                                    <m:ctrlPr>
+                                      <a:rPr lang="en-US" sz="1600" b="0" i="1" smtClean="0">
+                                        <a:latin typeface="Cambria Math" panose="02040503050406030204" pitchFamily="18" charset="0"/>
+                                      </a:rPr>
+                                    </m:ctrlPr>
+                                  </m:sSupPr>
+                                  <m:e>
+                                    <m:r>
+                                      <a:rPr lang="en-US" sz="1600" i="1">
+                                        <a:latin typeface="Cambria Math" panose="02040503050406030204" pitchFamily="18" charset="0"/>
+                                      </a:rPr>
+                                      <m:t>(</m:t>
+                                    </m:r>
+                                    <m:f>
+                                      <m:fPr>
+                                        <m:type m:val="skw"/>
+                                        <m:ctrlPr>
+                                          <a:rPr lang="en-US" sz="1600" i="1">
+                                            <a:latin typeface="Cambria Math" panose="02040503050406030204" pitchFamily="18" charset="0"/>
+                                          </a:rPr>
+                                        </m:ctrlPr>
+                                      </m:fPr>
+                                      <m:num>
+                                        <m:r>
+                                          <a:rPr lang="en-US" sz="1600" b="0" i="1" smtClean="0">
+                                            <a:latin typeface="Cambria Math" panose="02040503050406030204" pitchFamily="18" charset="0"/>
+                                          </a:rPr>
+                                          <m:t>𝑡</m:t>
+                                        </m:r>
+                                      </m:num>
+                                      <m:den>
+                                        <m:r>
+                                          <a:rPr lang="en-US" sz="1600" i="1">
+                                            <a:latin typeface="Cambria Math" panose="02040503050406030204" pitchFamily="18" charset="0"/>
+                                            <a:ea typeface="Cambria Math" panose="02040503050406030204" pitchFamily="18" charset="0"/>
+                                          </a:rPr>
+                                          <m:t>𝜆</m:t>
+                                        </m:r>
+                                      </m:den>
+                                    </m:f>
+                                    <m:r>
+                                      <a:rPr lang="en-US" sz="1600" i="1">
+                                        <a:latin typeface="Cambria Math" panose="02040503050406030204" pitchFamily="18" charset="0"/>
+                                      </a:rPr>
+                                      <m:t>)</m:t>
+                                    </m:r>
+                                  </m:e>
+                                  <m:sup>
+                                    <m:r>
+                                      <a:rPr lang="en-US" sz="1600" b="0" i="1" smtClean="0">
+                                        <a:latin typeface="Cambria Math" panose="02040503050406030204" pitchFamily="18" charset="0"/>
+                                      </a:rPr>
+                                      <m:t>𝑘</m:t>
+                                    </m:r>
+                                  </m:sup>
+                                </m:sSup>
+                              </m:sup>
+                            </m:sSup>
+                            <m:r>
+                              <a:rPr lang="en-US" sz="1600" b="0" i="1" smtClean="0">
+                                <a:latin typeface="Cambria Math" panose="02040503050406030204" pitchFamily="18" charset="0"/>
+                              </a:rPr>
+                              <m:t> </m:t>
+                            </m:r>
+                            <m:r>
+                              <a:rPr lang="en-US" sz="1600" b="0" i="1" smtClean="0">
+                                <a:latin typeface="Cambria Math" panose="02040503050406030204" pitchFamily="18" charset="0"/>
+                              </a:rPr>
+                              <m:t>𝑓𝑜𝑟</m:t>
+                            </m:r>
+                            <m:r>
+                              <a:rPr lang="en-US" sz="1600" b="0" i="1" smtClean="0">
+                                <a:latin typeface="Cambria Math" panose="02040503050406030204" pitchFamily="18" charset="0"/>
+                              </a:rPr>
+                              <m:t> </m:t>
+                            </m:r>
+                            <m:r>
+                              <a:rPr lang="en-US" sz="1600" b="0" i="1" smtClean="0">
+                                <a:latin typeface="Cambria Math" panose="02040503050406030204" pitchFamily="18" charset="0"/>
+                              </a:rPr>
+                              <m:t>𝑡</m:t>
+                            </m:r>
+                            <m:r>
+                              <a:rPr lang="en-US" sz="1600" b="0" i="1" smtClean="0">
+                                <a:latin typeface="Cambria Math" panose="02040503050406030204" pitchFamily="18" charset="0"/>
+                                <a:ea typeface="Cambria Math" panose="02040503050406030204" pitchFamily="18" charset="0"/>
+                              </a:rPr>
+                              <m:t>≥0</m:t>
+                            </m:r>
+                          </m:e>
+                          <m:e>
+                            <m:r>
+                              <a:rPr lang="en-US" sz="1600" b="0" i="1" smtClean="0">
+                                <a:latin typeface="Cambria Math" panose="02040503050406030204" pitchFamily="18" charset="0"/>
+                              </a:rPr>
+                              <m:t>0 </m:t>
+                            </m:r>
+                            <m:r>
+                              <a:rPr lang="en-US" sz="1600" b="0" i="1" smtClean="0">
+                                <a:latin typeface="Cambria Math" panose="02040503050406030204" pitchFamily="18" charset="0"/>
+                              </a:rPr>
+                              <m:t>𝑓𝑜𝑟</m:t>
+                            </m:r>
+                            <m:r>
+                              <a:rPr lang="en-US" sz="1600" b="0" i="1" smtClean="0">
+                                <a:latin typeface="Cambria Math" panose="02040503050406030204" pitchFamily="18" charset="0"/>
+                              </a:rPr>
+                              <m:t> </m:t>
+                            </m:r>
+                            <m:r>
+                              <a:rPr lang="en-US" sz="1600" b="0" i="1" smtClean="0">
+                                <a:latin typeface="Cambria Math" panose="02040503050406030204" pitchFamily="18" charset="0"/>
+                              </a:rPr>
+                              <m:t>𝑡</m:t>
+                            </m:r>
+                            <m:r>
+                              <a:rPr lang="en-US" sz="1600" b="0" i="1" smtClean="0">
+                                <a:latin typeface="Cambria Math" panose="02040503050406030204" pitchFamily="18" charset="0"/>
+                              </a:rPr>
+                              <m:t>&lt;0</m:t>
+                            </m:r>
+                          </m:e>
+                        </m:eqArr>
+                      </m:e>
+                    </m:d>
+                  </m:oMath>
+                </a14:m>
+                <a:endParaRPr lang="en-US" sz="1600" dirty="0"/>
+              </a:p>
+              <a:p>
+                <a:pPr lvl="1">
+                  <a:buFont typeface="+mj-lt"/>
+                  <a:buAutoNum type="arabicPeriod"/>
+                </a:pPr>
+                <a:r>
+                  <a:rPr lang="en-US" sz="1600" dirty="0"/>
+                  <a:t>It is parameterized by Scale parameter lambda and shape parameter k</a:t>
+                </a:r>
+              </a:p>
+              <a:p>
+                <a:pPr marL="114300" indent="0">
+                  <a:buNone/>
+                </a:pPr>
+                <a:endParaRPr lang="en-US" sz="1600" dirty="0"/>
+              </a:p>
+            </p:txBody>
+          </p:sp>
+        </mc:Choice>
+        <mc:Fallback xmlns="">
+          <p:sp>
+            <p:nvSpPr>
+              <p:cNvPr id="3" name="Text Placeholder 2">
+                <a:extLst>
+                  <a:ext uri="{FF2B5EF4-FFF2-40B4-BE49-F238E27FC236}">
+                    <a16:creationId xmlns:a16="http://schemas.microsoft.com/office/drawing/2014/main" id="{8496E38B-FBB4-4C87-99E9-7D5C41DFF7C3}"/>
+                  </a:ext>
+                </a:extLst>
+              </p:cNvPr>
+              <p:cNvSpPr>
+                <a:spLocks noGrp="1" noRot="1" noChangeAspect="1" noMove="1" noResize="1" noEditPoints="1" noAdjustHandles="1" noChangeArrowheads="1" noChangeShapeType="1" noTextEdit="1"/>
+              </p:cNvSpPr>
+              <p:nvPr>
+                <p:ph type="body" idx="1"/>
+              </p:nvPr>
+            </p:nvSpPr>
+            <p:spPr>
+              <a:xfrm>
+                <a:off x="311700" y="1152474"/>
+                <a:ext cx="8072883" cy="3991025"/>
+              </a:xfrm>
+              <a:blipFill>
+                <a:blip r:embed="rId3"/>
+                <a:stretch>
+                  <a:fillRect t="-458" r="-302" b="-2443"/>
+                </a:stretch>
+              </a:blipFill>
+            </p:spPr>
+            <p:txBody>
+              <a:bodyPr/>
+              <a:lstStyle/>
+              <a:p>
+                <a:r>
+                  <a:rPr lang="en-US">
+                    <a:noFill/>
+                  </a:rPr>
+                  <a:t> </a:t>
+                </a:r>
+              </a:p>
+            </p:txBody>
+          </p:sp>
+        </mc:Fallback>
+      </mc:AlternateContent>
     </p:spTree>
     <p:extLst>
       <p:ext uri="{BB962C8B-B14F-4D97-AF65-F5344CB8AC3E}">
-        <p14:creationId xmlns:p14="http://schemas.microsoft.com/office/powerpoint/2010/main" val="3159976320"/>
+        <p14:creationId xmlns:p14="http://schemas.microsoft.com/office/powerpoint/2010/main" val="2416248724"/>
+      </p:ext>
+    </p:extLst>
+  </p:cSld>
+  <p:clrMapOvr>
+    <a:masterClrMapping/>
+  </p:clrMapOvr>
+</p:sld>
+</file>
+
+<file path=ppt/slides/slide9.xml><?xml version="1.0" encoding="utf-8"?>
+<p:sld xmlns:a="http://schemas.openxmlformats.org/drawingml/2006/main" xmlns:r="http://schemas.openxmlformats.org/officeDocument/2006/relationships" xmlns:p="http://schemas.openxmlformats.org/presentationml/2006/main">
+  <p:cSld>
+    <p:spTree>
+      <p:nvGrpSpPr>
+        <p:cNvPr id="1" name=""/>
+        <p:cNvGrpSpPr/>
+        <p:nvPr/>
+      </p:nvGrpSpPr>
+      <p:grpSpPr>
+        <a:xfrm>
+          <a:off x="0" y="0"/>
+          <a:ext cx="0" cy="0"/>
+          <a:chOff x="0" y="0"/>
+          <a:chExt cx="0" cy="0"/>
+        </a:xfrm>
+      </p:grpSpPr>
+      <p:sp>
+        <p:nvSpPr>
+          <p:cNvPr id="2" name="Title 1">
+            <a:extLst>
+              <a:ext uri="{FF2B5EF4-FFF2-40B4-BE49-F238E27FC236}">
+                <a16:creationId xmlns:a16="http://schemas.microsoft.com/office/drawing/2014/main" id="{DFFF2E72-3C3E-47E6-970F-4EA861F32AA0}"/>
+              </a:ext>
+            </a:extLst>
+          </p:cNvPr>
+          <p:cNvSpPr>
+            <a:spLocks noGrp="1"/>
+          </p:cNvSpPr>
+          <p:nvPr>
+            <p:ph type="title"/>
+          </p:nvPr>
+        </p:nvSpPr>
+        <p:spPr/>
+        <p:txBody>
+          <a:bodyPr/>
+          <a:lstStyle/>
+          <a:p>
+            <a:r>
+              <a:rPr lang="en-US" dirty="0"/>
+              <a:t>Maximum Likelihood Estimation</a:t>
+            </a:r>
+          </a:p>
+        </p:txBody>
+      </p:sp>
+      <mc:AlternateContent xmlns:mc="http://schemas.openxmlformats.org/markup-compatibility/2006" xmlns:a14="http://schemas.microsoft.com/office/drawing/2010/main">
+        <mc:Choice Requires="a14">
+          <p:sp>
+            <p:nvSpPr>
+              <p:cNvPr id="3" name="Text Placeholder 2">
+                <a:extLst>
+                  <a:ext uri="{FF2B5EF4-FFF2-40B4-BE49-F238E27FC236}">
+                    <a16:creationId xmlns:a16="http://schemas.microsoft.com/office/drawing/2014/main" id="{93116836-679F-4204-94FE-DA123740D574}"/>
+                  </a:ext>
+                </a:extLst>
+              </p:cNvPr>
+              <p:cNvSpPr>
+                <a:spLocks noGrp="1"/>
+              </p:cNvSpPr>
+              <p:nvPr>
+                <p:ph type="body" idx="1"/>
+              </p:nvPr>
+            </p:nvSpPr>
+            <p:spPr>
+              <a:xfrm>
+                <a:off x="311700" y="1152475"/>
+                <a:ext cx="8070300" cy="3416400"/>
+              </a:xfrm>
+            </p:spPr>
+            <p:txBody>
+              <a:bodyPr/>
+              <a:lstStyle/>
+              <a:p>
+                <a:pPr>
+                  <a:buFont typeface="+mj-lt"/>
+                  <a:buAutoNum type="arabicPeriod"/>
+                </a:pPr>
+                <a:r>
+                  <a:rPr lang="en-US" sz="1600" dirty="0"/>
+                  <a:t>For uncensored data:</a:t>
+                </a:r>
+              </a:p>
+              <a:p>
+                <a:pPr lvl="1">
+                  <a:buFont typeface="+mj-lt"/>
+                  <a:buAutoNum type="arabicPeriod"/>
+                </a:pPr>
+                <a14:m>
+                  <m:oMath xmlns:m="http://schemas.openxmlformats.org/officeDocument/2006/math">
+                    <m:r>
+                      <a:rPr lang="en-US" sz="1600" b="0" i="1" smtClean="0">
+                        <a:latin typeface="Cambria Math" panose="02040503050406030204" pitchFamily="18" charset="0"/>
+                      </a:rPr>
+                      <m:t>𝐿</m:t>
+                    </m:r>
+                    <m:d>
+                      <m:dPr>
+                        <m:ctrlPr>
+                          <a:rPr lang="en-US" sz="1600" b="0" i="1" smtClean="0">
+                            <a:latin typeface="Cambria Math" panose="02040503050406030204" pitchFamily="18" charset="0"/>
+                          </a:rPr>
+                        </m:ctrlPr>
+                      </m:dPr>
+                      <m:e>
+                        <m:r>
+                          <a:rPr lang="en-US" sz="1600" b="0" i="1" smtClean="0">
+                            <a:latin typeface="Cambria Math" panose="02040503050406030204" pitchFamily="18" charset="0"/>
+                          </a:rPr>
+                          <m:t>𝑘</m:t>
+                        </m:r>
+                        <m:r>
+                          <a:rPr lang="en-US" sz="1600" b="0" i="1" smtClean="0">
+                            <a:latin typeface="Cambria Math" panose="02040503050406030204" pitchFamily="18" charset="0"/>
+                          </a:rPr>
+                          <m:t>, </m:t>
+                        </m:r>
+                        <m:r>
+                          <a:rPr lang="en-US" sz="1600" b="0" i="1" smtClean="0">
+                            <a:latin typeface="Cambria Math" panose="02040503050406030204" pitchFamily="18" charset="0"/>
+                            <a:ea typeface="Cambria Math" panose="02040503050406030204" pitchFamily="18" charset="0"/>
+                          </a:rPr>
+                          <m:t>𝜆</m:t>
+                        </m:r>
+                      </m:e>
+                    </m:d>
+                    <m:r>
+                      <a:rPr lang="en-US" sz="1600" b="0" i="1" smtClean="0">
+                        <a:latin typeface="Cambria Math" panose="02040503050406030204" pitchFamily="18" charset="0"/>
+                        <a:ea typeface="Cambria Math" panose="02040503050406030204" pitchFamily="18" charset="0"/>
+                      </a:rPr>
+                      <m:t>= </m:t>
+                    </m:r>
+                    <m:nary>
+                      <m:naryPr>
+                        <m:chr m:val="∏"/>
+                        <m:ctrlPr>
+                          <a:rPr lang="en-US" sz="1600" b="0" i="1" smtClean="0">
+                            <a:latin typeface="Cambria Math" panose="02040503050406030204" pitchFamily="18" charset="0"/>
+                            <a:ea typeface="Cambria Math" panose="02040503050406030204" pitchFamily="18" charset="0"/>
+                          </a:rPr>
+                        </m:ctrlPr>
+                      </m:naryPr>
+                      <m:sub>
+                        <m:r>
+                          <m:rPr>
+                            <m:brk m:alnAt="23"/>
+                          </m:rPr>
+                          <a:rPr lang="en-US" sz="1600" b="0" i="1" smtClean="0">
+                            <a:latin typeface="Cambria Math" panose="02040503050406030204" pitchFamily="18" charset="0"/>
+                            <a:ea typeface="Cambria Math" panose="02040503050406030204" pitchFamily="18" charset="0"/>
+                          </a:rPr>
+                          <m:t>𝑖</m:t>
+                        </m:r>
+                        <m:r>
+                          <a:rPr lang="en-US" sz="1600" b="0" i="1" smtClean="0">
+                            <a:latin typeface="Cambria Math" panose="02040503050406030204" pitchFamily="18" charset="0"/>
+                            <a:ea typeface="Cambria Math" panose="02040503050406030204" pitchFamily="18" charset="0"/>
+                          </a:rPr>
+                          <m:t>=1</m:t>
+                        </m:r>
+                      </m:sub>
+                      <m:sup>
+                        <m:r>
+                          <a:rPr lang="en-US" sz="1600" b="0" i="1" smtClean="0">
+                            <a:latin typeface="Cambria Math" panose="02040503050406030204" pitchFamily="18" charset="0"/>
+                            <a:ea typeface="Cambria Math" panose="02040503050406030204" pitchFamily="18" charset="0"/>
+                          </a:rPr>
+                          <m:t>𝑛</m:t>
+                        </m:r>
+                      </m:sup>
+                      <m:e>
+                        <m:r>
+                          <a:rPr lang="en-US" sz="1600" b="0" i="1" smtClean="0">
+                            <a:latin typeface="Cambria Math" panose="02040503050406030204" pitchFamily="18" charset="0"/>
+                            <a:ea typeface="Cambria Math" panose="02040503050406030204" pitchFamily="18" charset="0"/>
+                          </a:rPr>
+                          <m:t>𝑓</m:t>
+                        </m:r>
+                        <m:r>
+                          <a:rPr lang="en-US" sz="1600" b="0" i="1" smtClean="0">
+                            <a:latin typeface="Cambria Math" panose="02040503050406030204" pitchFamily="18" charset="0"/>
+                            <a:ea typeface="Cambria Math" panose="02040503050406030204" pitchFamily="18" charset="0"/>
+                          </a:rPr>
+                          <m:t>(</m:t>
+                        </m:r>
+                        <m:sSub>
+                          <m:sSubPr>
+                            <m:ctrlPr>
+                              <a:rPr lang="en-US" sz="1600" b="0" i="1" smtClean="0">
+                                <a:latin typeface="Cambria Math" panose="02040503050406030204" pitchFamily="18" charset="0"/>
+                                <a:ea typeface="Cambria Math" panose="02040503050406030204" pitchFamily="18" charset="0"/>
+                              </a:rPr>
+                            </m:ctrlPr>
+                          </m:sSubPr>
+                          <m:e>
+                            <m:r>
+                              <a:rPr lang="en-US" sz="1600" b="0" i="1" smtClean="0">
+                                <a:latin typeface="Cambria Math" panose="02040503050406030204" pitchFamily="18" charset="0"/>
+                                <a:ea typeface="Cambria Math" panose="02040503050406030204" pitchFamily="18" charset="0"/>
+                              </a:rPr>
+                              <m:t>𝑡</m:t>
+                            </m:r>
+                          </m:e>
+                          <m:sub>
+                            <m:r>
+                              <a:rPr lang="en-US" sz="1600" b="0" i="1" smtClean="0">
+                                <a:latin typeface="Cambria Math" panose="02040503050406030204" pitchFamily="18" charset="0"/>
+                                <a:ea typeface="Cambria Math" panose="02040503050406030204" pitchFamily="18" charset="0"/>
+                              </a:rPr>
+                              <m:t>𝑖</m:t>
+                            </m:r>
+                          </m:sub>
+                        </m:sSub>
+                        <m:r>
+                          <a:rPr lang="en-US" sz="1600" b="0" i="1" smtClean="0">
+                            <a:latin typeface="Cambria Math" panose="02040503050406030204" pitchFamily="18" charset="0"/>
+                            <a:ea typeface="Cambria Math" panose="02040503050406030204" pitchFamily="18" charset="0"/>
+                          </a:rPr>
+                          <m:t>)</m:t>
+                        </m:r>
+                      </m:e>
+                    </m:nary>
+                  </m:oMath>
+                </a14:m>
+                <a:endParaRPr lang="en-US" sz="1600" dirty="0"/>
+              </a:p>
+              <a:p>
+                <a:pPr lvl="1">
+                  <a:buFont typeface="+mj-lt"/>
+                  <a:buAutoNum type="arabicPeriod"/>
+                </a:pPr>
+                <a14:m>
+                  <m:oMath xmlns:m="http://schemas.openxmlformats.org/officeDocument/2006/math">
+                    <m:r>
+                      <a:rPr lang="en-US" sz="1600" b="0" i="1" smtClean="0">
+                        <a:latin typeface="Cambria Math" panose="02040503050406030204" pitchFamily="18" charset="0"/>
+                      </a:rPr>
+                      <m:t>𝐿𝐿</m:t>
+                    </m:r>
+                    <m:d>
+                      <m:dPr>
+                        <m:ctrlPr>
+                          <a:rPr lang="en-US" sz="1600" b="0" i="1" smtClean="0">
+                            <a:latin typeface="Cambria Math" panose="02040503050406030204" pitchFamily="18" charset="0"/>
+                          </a:rPr>
+                        </m:ctrlPr>
+                      </m:dPr>
+                      <m:e>
+                        <m:r>
+                          <a:rPr lang="en-US" sz="1600" b="0" i="1" smtClean="0">
+                            <a:latin typeface="Cambria Math" panose="02040503050406030204" pitchFamily="18" charset="0"/>
+                          </a:rPr>
+                          <m:t>𝑘</m:t>
+                        </m:r>
+                        <m:r>
+                          <a:rPr lang="en-US" sz="1600" b="0" i="1" smtClean="0">
+                            <a:latin typeface="Cambria Math" panose="02040503050406030204" pitchFamily="18" charset="0"/>
+                          </a:rPr>
+                          <m:t>, </m:t>
+                        </m:r>
+                        <m:r>
+                          <a:rPr lang="en-US" sz="1600" b="0" i="1" smtClean="0">
+                            <a:latin typeface="Cambria Math" panose="02040503050406030204" pitchFamily="18" charset="0"/>
+                            <a:ea typeface="Cambria Math" panose="02040503050406030204" pitchFamily="18" charset="0"/>
+                          </a:rPr>
+                          <m:t>𝜆</m:t>
+                        </m:r>
+                      </m:e>
+                    </m:d>
+                    <m:r>
+                      <a:rPr lang="en-US" sz="1600" b="0" i="1" smtClean="0">
+                        <a:latin typeface="Cambria Math" panose="02040503050406030204" pitchFamily="18" charset="0"/>
+                        <a:ea typeface="Cambria Math" panose="02040503050406030204" pitchFamily="18" charset="0"/>
+                      </a:rPr>
+                      <m:t>= </m:t>
+                    </m:r>
+                    <m:nary>
+                      <m:naryPr>
+                        <m:chr m:val="∑"/>
+                        <m:ctrlPr>
+                          <a:rPr lang="en-US" sz="1600" b="0" i="1" smtClean="0">
+                            <a:latin typeface="Cambria Math" panose="02040503050406030204" pitchFamily="18" charset="0"/>
+                            <a:ea typeface="Cambria Math" panose="02040503050406030204" pitchFamily="18" charset="0"/>
+                          </a:rPr>
+                        </m:ctrlPr>
+                      </m:naryPr>
+                      <m:sub>
+                        <m:r>
+                          <m:rPr>
+                            <m:brk m:alnAt="23"/>
+                          </m:rPr>
+                          <a:rPr lang="en-US" sz="1600" b="0" i="1" smtClean="0">
+                            <a:latin typeface="Cambria Math" panose="02040503050406030204" pitchFamily="18" charset="0"/>
+                            <a:ea typeface="Cambria Math" panose="02040503050406030204" pitchFamily="18" charset="0"/>
+                          </a:rPr>
+                          <m:t>𝑖</m:t>
+                        </m:r>
+                        <m:r>
+                          <a:rPr lang="en-US" sz="1600" b="0" i="1" smtClean="0">
+                            <a:latin typeface="Cambria Math" panose="02040503050406030204" pitchFamily="18" charset="0"/>
+                            <a:ea typeface="Cambria Math" panose="02040503050406030204" pitchFamily="18" charset="0"/>
+                          </a:rPr>
+                          <m:t>=1</m:t>
+                        </m:r>
+                      </m:sub>
+                      <m:sup>
+                        <m:r>
+                          <a:rPr lang="en-US" sz="1600" b="0" i="1" smtClean="0">
+                            <a:latin typeface="Cambria Math" panose="02040503050406030204" pitchFamily="18" charset="0"/>
+                            <a:ea typeface="Cambria Math" panose="02040503050406030204" pitchFamily="18" charset="0"/>
+                          </a:rPr>
+                          <m:t>𝑛</m:t>
+                        </m:r>
+                      </m:sup>
+                      <m:e>
+                        <m:f>
+                          <m:fPr>
+                            <m:ctrlPr>
+                              <a:rPr lang="en-US" sz="1600" i="1">
+                                <a:latin typeface="Cambria Math" panose="02040503050406030204" pitchFamily="18" charset="0"/>
+                                <a:ea typeface="Cambria Math" panose="02040503050406030204" pitchFamily="18" charset="0"/>
+                              </a:rPr>
+                            </m:ctrlPr>
+                          </m:fPr>
+                          <m:num>
+                            <m:r>
+                              <a:rPr lang="en-US" sz="1600" i="1">
+                                <a:latin typeface="Cambria Math" panose="02040503050406030204" pitchFamily="18" charset="0"/>
+                                <a:ea typeface="Cambria Math" panose="02040503050406030204" pitchFamily="18" charset="0"/>
+                              </a:rPr>
+                              <m:t>𝑘</m:t>
+                            </m:r>
+                          </m:num>
+                          <m:den>
+                            <m:r>
+                              <a:rPr lang="en-US" sz="1600" i="1">
+                                <a:latin typeface="Cambria Math" panose="02040503050406030204" pitchFamily="18" charset="0"/>
+                                <a:ea typeface="Cambria Math" panose="02040503050406030204" pitchFamily="18" charset="0"/>
+                              </a:rPr>
+                              <m:t>𝜆</m:t>
+                            </m:r>
+                          </m:den>
+                        </m:f>
+                        <m:r>
+                          <a:rPr lang="en-US" sz="1600" i="1">
+                            <a:latin typeface="Cambria Math" panose="02040503050406030204" pitchFamily="18" charset="0"/>
+                            <a:ea typeface="Cambria Math" panose="02040503050406030204" pitchFamily="18" charset="0"/>
+                          </a:rPr>
+                          <m:t>+</m:t>
+                        </m:r>
+                        <m:d>
+                          <m:dPr>
+                            <m:ctrlPr>
+                              <a:rPr lang="en-US" sz="1600" i="1">
+                                <a:latin typeface="Cambria Math" panose="02040503050406030204" pitchFamily="18" charset="0"/>
+                                <a:ea typeface="Cambria Math" panose="02040503050406030204" pitchFamily="18" charset="0"/>
+                              </a:rPr>
+                            </m:ctrlPr>
+                          </m:dPr>
+                          <m:e>
+                            <m:r>
+                              <a:rPr lang="en-US" sz="1600" i="1">
+                                <a:latin typeface="Cambria Math" panose="02040503050406030204" pitchFamily="18" charset="0"/>
+                                <a:ea typeface="Cambria Math" panose="02040503050406030204" pitchFamily="18" charset="0"/>
+                              </a:rPr>
+                              <m:t>𝑘</m:t>
+                            </m:r>
+                            <m:r>
+                              <a:rPr lang="en-US" sz="1600" i="1">
+                                <a:latin typeface="Cambria Math" panose="02040503050406030204" pitchFamily="18" charset="0"/>
+                                <a:ea typeface="Cambria Math" panose="02040503050406030204" pitchFamily="18" charset="0"/>
+                              </a:rPr>
+                              <m:t>−1</m:t>
+                            </m:r>
+                          </m:e>
+                        </m:d>
+                        <m:d>
+                          <m:dPr>
+                            <m:ctrlPr>
+                              <a:rPr lang="en-US" sz="1600" i="1">
+                                <a:latin typeface="Cambria Math" panose="02040503050406030204" pitchFamily="18" charset="0"/>
+                                <a:ea typeface="Cambria Math" panose="02040503050406030204" pitchFamily="18" charset="0"/>
+                              </a:rPr>
+                            </m:ctrlPr>
+                          </m:dPr>
+                          <m:e>
+                            <m:f>
+                              <m:fPr>
+                                <m:ctrlPr>
+                                  <a:rPr lang="en-US" sz="1600" i="1">
+                                    <a:latin typeface="Cambria Math" panose="02040503050406030204" pitchFamily="18" charset="0"/>
+                                    <a:ea typeface="Cambria Math" panose="02040503050406030204" pitchFamily="18" charset="0"/>
+                                  </a:rPr>
+                                </m:ctrlPr>
+                              </m:fPr>
+                              <m:num>
+                                <m:sSub>
+                                  <m:sSubPr>
+                                    <m:ctrlPr>
+                                      <a:rPr lang="en-US" sz="1600" i="1">
+                                        <a:latin typeface="Cambria Math" panose="02040503050406030204" pitchFamily="18" charset="0"/>
+                                        <a:ea typeface="Cambria Math" panose="02040503050406030204" pitchFamily="18" charset="0"/>
+                                      </a:rPr>
+                                    </m:ctrlPr>
+                                  </m:sSubPr>
+                                  <m:e>
+                                    <m:r>
+                                      <a:rPr lang="en-US" sz="1600" i="1">
+                                        <a:latin typeface="Cambria Math" panose="02040503050406030204" pitchFamily="18" charset="0"/>
+                                        <a:ea typeface="Cambria Math" panose="02040503050406030204" pitchFamily="18" charset="0"/>
+                                      </a:rPr>
+                                      <m:t>𝑡</m:t>
+                                    </m:r>
+                                  </m:e>
+                                  <m:sub>
+                                    <m:r>
+                                      <a:rPr lang="en-US" sz="1600" i="1">
+                                        <a:latin typeface="Cambria Math" panose="02040503050406030204" pitchFamily="18" charset="0"/>
+                                        <a:ea typeface="Cambria Math" panose="02040503050406030204" pitchFamily="18" charset="0"/>
+                                      </a:rPr>
+                                      <m:t>𝑖</m:t>
+                                    </m:r>
+                                  </m:sub>
+                                </m:sSub>
+                              </m:num>
+                              <m:den>
+                                <m:r>
+                                  <a:rPr lang="en-US" sz="1600" i="1">
+                                    <a:latin typeface="Cambria Math" panose="02040503050406030204" pitchFamily="18" charset="0"/>
+                                    <a:ea typeface="Cambria Math" panose="02040503050406030204" pitchFamily="18" charset="0"/>
+                                  </a:rPr>
+                                  <m:t>𝜆</m:t>
+                                </m:r>
+                              </m:den>
+                            </m:f>
+                          </m:e>
+                        </m:d>
+                        <m:r>
+                          <a:rPr lang="en-US" sz="1600" i="1">
+                            <a:latin typeface="Cambria Math" panose="02040503050406030204" pitchFamily="18" charset="0"/>
+                            <a:ea typeface="Cambria Math" panose="02040503050406030204" pitchFamily="18" charset="0"/>
+                          </a:rPr>
+                          <m:t>−</m:t>
+                        </m:r>
+                        <m:sSup>
+                          <m:sSupPr>
+                            <m:ctrlPr>
+                              <a:rPr lang="en-US" sz="1600" i="1">
+                                <a:latin typeface="Cambria Math" panose="02040503050406030204" pitchFamily="18" charset="0"/>
+                                <a:ea typeface="Cambria Math" panose="02040503050406030204" pitchFamily="18" charset="0"/>
+                              </a:rPr>
+                            </m:ctrlPr>
+                          </m:sSupPr>
+                          <m:e>
+                            <m:d>
+                              <m:dPr>
+                                <m:ctrlPr>
+                                  <a:rPr lang="en-US" sz="1600" i="1">
+                                    <a:latin typeface="Cambria Math" panose="02040503050406030204" pitchFamily="18" charset="0"/>
+                                    <a:ea typeface="Cambria Math" panose="02040503050406030204" pitchFamily="18" charset="0"/>
+                                  </a:rPr>
+                                </m:ctrlPr>
+                              </m:dPr>
+                              <m:e>
+                                <m:f>
+                                  <m:fPr>
+                                    <m:ctrlPr>
+                                      <a:rPr lang="en-US" sz="1600" i="1">
+                                        <a:latin typeface="Cambria Math" panose="02040503050406030204" pitchFamily="18" charset="0"/>
+                                        <a:ea typeface="Cambria Math" panose="02040503050406030204" pitchFamily="18" charset="0"/>
+                                      </a:rPr>
+                                    </m:ctrlPr>
+                                  </m:fPr>
+                                  <m:num>
+                                    <m:sSub>
+                                      <m:sSubPr>
+                                        <m:ctrlPr>
+                                          <a:rPr lang="en-US" sz="1600" i="1">
+                                            <a:latin typeface="Cambria Math" panose="02040503050406030204" pitchFamily="18" charset="0"/>
+                                            <a:ea typeface="Cambria Math" panose="02040503050406030204" pitchFamily="18" charset="0"/>
+                                          </a:rPr>
+                                        </m:ctrlPr>
+                                      </m:sSubPr>
+                                      <m:e>
+                                        <m:r>
+                                          <a:rPr lang="en-US" sz="1600" i="1">
+                                            <a:latin typeface="Cambria Math" panose="02040503050406030204" pitchFamily="18" charset="0"/>
+                                            <a:ea typeface="Cambria Math" panose="02040503050406030204" pitchFamily="18" charset="0"/>
+                                          </a:rPr>
+                                          <m:t>𝑡</m:t>
+                                        </m:r>
+                                      </m:e>
+                                      <m:sub>
+                                        <m:r>
+                                          <a:rPr lang="en-US" sz="1600" i="1">
+                                            <a:latin typeface="Cambria Math" panose="02040503050406030204" pitchFamily="18" charset="0"/>
+                                            <a:ea typeface="Cambria Math" panose="02040503050406030204" pitchFamily="18" charset="0"/>
+                                          </a:rPr>
+                                          <m:t>𝑖</m:t>
+                                        </m:r>
+                                      </m:sub>
+                                    </m:sSub>
+                                  </m:num>
+                                  <m:den>
+                                    <m:r>
+                                      <a:rPr lang="en-US" sz="1600" i="1">
+                                        <a:latin typeface="Cambria Math" panose="02040503050406030204" pitchFamily="18" charset="0"/>
+                                        <a:ea typeface="Cambria Math" panose="02040503050406030204" pitchFamily="18" charset="0"/>
+                                      </a:rPr>
+                                      <m:t>𝜆</m:t>
+                                    </m:r>
+                                  </m:den>
+                                </m:f>
+                              </m:e>
+                            </m:d>
+                          </m:e>
+                          <m:sup>
+                            <m:r>
+                              <a:rPr lang="en-US" sz="1600" i="1">
+                                <a:latin typeface="Cambria Math" panose="02040503050406030204" pitchFamily="18" charset="0"/>
+                                <a:ea typeface="Cambria Math" panose="02040503050406030204" pitchFamily="18" charset="0"/>
+                              </a:rPr>
+                              <m:t>𝑘</m:t>
+                            </m:r>
+                          </m:sup>
+                        </m:sSup>
+                      </m:e>
+                    </m:nary>
+                  </m:oMath>
+                </a14:m>
+                <a:endParaRPr lang="en-US" sz="1600" b="0" dirty="0">
+                  <a:ea typeface="Cambria Math" panose="02040503050406030204" pitchFamily="18" charset="0"/>
+                </a:endParaRPr>
+              </a:p>
+              <a:p>
+                <a:pPr lvl="1">
+                  <a:buFont typeface="+mj-lt"/>
+                  <a:buAutoNum type="arabicPeriod"/>
+                </a:pPr>
+                <a:endParaRPr lang="en-US" sz="1600" dirty="0"/>
+              </a:p>
+              <a:p>
+                <a:pPr>
+                  <a:buFont typeface="+mj-lt"/>
+                  <a:buAutoNum type="arabicPeriod"/>
+                </a:pPr>
+                <a:r>
+                  <a:rPr lang="en-US" sz="1600" dirty="0"/>
+                  <a:t>For Censored data:</a:t>
+                </a:r>
+              </a:p>
+              <a:p>
+                <a:pPr lvl="1">
+                  <a:buFont typeface="+mj-lt"/>
+                  <a:buAutoNum type="arabicPeriod"/>
+                </a:pPr>
+                <a14:m>
+                  <m:oMath xmlns:m="http://schemas.openxmlformats.org/officeDocument/2006/math">
+                    <m:r>
+                      <a:rPr lang="en-US" sz="1600" b="0" i="1" smtClean="0">
+                        <a:latin typeface="Cambria Math" panose="02040503050406030204" pitchFamily="18" charset="0"/>
+                      </a:rPr>
+                      <m:t>𝐿</m:t>
+                    </m:r>
+                    <m:d>
+                      <m:dPr>
+                        <m:ctrlPr>
+                          <a:rPr lang="en-US" sz="1600" b="0" i="1" smtClean="0">
+                            <a:latin typeface="Cambria Math" panose="02040503050406030204" pitchFamily="18" charset="0"/>
+                          </a:rPr>
+                        </m:ctrlPr>
+                      </m:dPr>
+                      <m:e>
+                        <m:r>
+                          <a:rPr lang="en-US" sz="1600" b="0" i="1" smtClean="0">
+                            <a:latin typeface="Cambria Math" panose="02040503050406030204" pitchFamily="18" charset="0"/>
+                          </a:rPr>
+                          <m:t>𝑘</m:t>
+                        </m:r>
+                        <m:r>
+                          <a:rPr lang="en-US" sz="1600" b="0" i="1" smtClean="0">
+                            <a:latin typeface="Cambria Math" panose="02040503050406030204" pitchFamily="18" charset="0"/>
+                          </a:rPr>
+                          <m:t>, </m:t>
+                        </m:r>
+                        <m:r>
+                          <a:rPr lang="en-US" sz="1600" b="0" i="1" smtClean="0">
+                            <a:latin typeface="Cambria Math" panose="02040503050406030204" pitchFamily="18" charset="0"/>
+                            <a:ea typeface="Cambria Math" panose="02040503050406030204" pitchFamily="18" charset="0"/>
+                          </a:rPr>
+                          <m:t>𝜆</m:t>
+                        </m:r>
+                      </m:e>
+                    </m:d>
+                    <m:r>
+                      <a:rPr lang="en-US" sz="1600" i="1">
+                        <a:latin typeface="Cambria Math" panose="02040503050406030204" pitchFamily="18" charset="0"/>
+                        <a:ea typeface="Cambria Math" panose="02040503050406030204" pitchFamily="18" charset="0"/>
+                      </a:rPr>
+                      <m:t>∝</m:t>
+                    </m:r>
+                    <m:nary>
+                      <m:naryPr>
+                        <m:chr m:val="∏"/>
+                        <m:ctrlPr>
+                          <a:rPr lang="en-US" sz="1600" i="1">
+                            <a:latin typeface="Cambria Math" panose="02040503050406030204" pitchFamily="18" charset="0"/>
+                            <a:ea typeface="Cambria Math" panose="02040503050406030204" pitchFamily="18" charset="0"/>
+                          </a:rPr>
+                        </m:ctrlPr>
+                      </m:naryPr>
+                      <m:sub>
+                        <m:r>
+                          <m:rPr>
+                            <m:brk m:alnAt="23"/>
+                          </m:rPr>
+                          <a:rPr lang="en-US" sz="1600" i="1">
+                            <a:latin typeface="Cambria Math" panose="02040503050406030204" pitchFamily="18" charset="0"/>
+                            <a:ea typeface="Cambria Math" panose="02040503050406030204" pitchFamily="18" charset="0"/>
+                          </a:rPr>
+                          <m:t>𝑖</m:t>
+                        </m:r>
+                        <m:r>
+                          <a:rPr lang="en-US" sz="1600" i="1">
+                            <a:latin typeface="Cambria Math" panose="02040503050406030204" pitchFamily="18" charset="0"/>
+                            <a:ea typeface="Cambria Math" panose="02040503050406030204" pitchFamily="18" charset="0"/>
+                          </a:rPr>
+                          <m:t>=1</m:t>
+                        </m:r>
+                      </m:sub>
+                      <m:sup>
+                        <m:r>
+                          <a:rPr lang="en-US" sz="1600" i="1">
+                            <a:latin typeface="Cambria Math" panose="02040503050406030204" pitchFamily="18" charset="0"/>
+                            <a:ea typeface="Cambria Math" panose="02040503050406030204" pitchFamily="18" charset="0"/>
+                          </a:rPr>
+                          <m:t>𝑛</m:t>
+                        </m:r>
+                      </m:sup>
+                      <m:e>
+                        <m:r>
+                          <a:rPr lang="en-US" sz="1600" i="1">
+                            <a:latin typeface="Cambria Math" panose="02040503050406030204" pitchFamily="18" charset="0"/>
+                            <a:ea typeface="Cambria Math" panose="02040503050406030204" pitchFamily="18" charset="0"/>
+                          </a:rPr>
+                          <m:t>𝑓</m:t>
+                        </m:r>
+                        <m:r>
+                          <a:rPr lang="en-US" sz="1600" i="1">
+                            <a:latin typeface="Cambria Math" panose="02040503050406030204" pitchFamily="18" charset="0"/>
+                            <a:ea typeface="Cambria Math" panose="02040503050406030204" pitchFamily="18" charset="0"/>
+                          </a:rPr>
+                          <m:t>(</m:t>
+                        </m:r>
+                        <m:sSub>
+                          <m:sSubPr>
+                            <m:ctrlPr>
+                              <a:rPr lang="en-US" sz="1600" i="1">
+                                <a:latin typeface="Cambria Math" panose="02040503050406030204" pitchFamily="18" charset="0"/>
+                                <a:ea typeface="Cambria Math" panose="02040503050406030204" pitchFamily="18" charset="0"/>
+                              </a:rPr>
+                            </m:ctrlPr>
+                          </m:sSubPr>
+                          <m:e>
+                            <m:r>
+                              <a:rPr lang="en-US" sz="1600" i="1">
+                                <a:latin typeface="Cambria Math" panose="02040503050406030204" pitchFamily="18" charset="0"/>
+                                <a:ea typeface="Cambria Math" panose="02040503050406030204" pitchFamily="18" charset="0"/>
+                              </a:rPr>
+                              <m:t>𝑡</m:t>
+                            </m:r>
+                          </m:e>
+                          <m:sub>
+                            <m:r>
+                              <a:rPr lang="en-US" sz="1600" i="1">
+                                <a:latin typeface="Cambria Math" panose="02040503050406030204" pitchFamily="18" charset="0"/>
+                                <a:ea typeface="Cambria Math" panose="02040503050406030204" pitchFamily="18" charset="0"/>
+                              </a:rPr>
+                              <m:t>𝑖</m:t>
+                            </m:r>
+                          </m:sub>
+                        </m:sSub>
+                        <m:r>
+                          <a:rPr lang="en-US" sz="1600" i="1">
+                            <a:latin typeface="Cambria Math" panose="02040503050406030204" pitchFamily="18" charset="0"/>
+                            <a:ea typeface="Cambria Math" panose="02040503050406030204" pitchFamily="18" charset="0"/>
+                          </a:rPr>
+                          <m:t>)</m:t>
+                        </m:r>
+                        <m:nary>
+                          <m:naryPr>
+                            <m:chr m:val="∏"/>
+                            <m:ctrlPr>
+                              <a:rPr lang="en-US" sz="1600" i="1">
+                                <a:latin typeface="Cambria Math" panose="02040503050406030204" pitchFamily="18" charset="0"/>
+                                <a:ea typeface="Cambria Math" panose="02040503050406030204" pitchFamily="18" charset="0"/>
+                              </a:rPr>
+                            </m:ctrlPr>
+                          </m:naryPr>
+                          <m:sub>
+                            <m:r>
+                              <a:rPr lang="en-US" sz="1600" b="0" i="1" smtClean="0">
+                                <a:latin typeface="Cambria Math" panose="02040503050406030204" pitchFamily="18" charset="0"/>
+                                <a:ea typeface="Cambria Math" panose="02040503050406030204" pitchFamily="18" charset="0"/>
+                              </a:rPr>
+                              <m:t>𝑗</m:t>
+                            </m:r>
+                            <m:r>
+                              <a:rPr lang="en-US" sz="1600" i="1">
+                                <a:latin typeface="Cambria Math" panose="02040503050406030204" pitchFamily="18" charset="0"/>
+                                <a:ea typeface="Cambria Math" panose="02040503050406030204" pitchFamily="18" charset="0"/>
+                              </a:rPr>
+                              <m:t>=1</m:t>
+                            </m:r>
+                          </m:sub>
+                          <m:sup>
+                            <m:r>
+                              <a:rPr lang="en-US" sz="1600" b="0" i="1" smtClean="0">
+                                <a:latin typeface="Cambria Math" panose="02040503050406030204" pitchFamily="18" charset="0"/>
+                                <a:ea typeface="Cambria Math" panose="02040503050406030204" pitchFamily="18" charset="0"/>
+                              </a:rPr>
+                              <m:t>𝑟</m:t>
+                            </m:r>
+                          </m:sup>
+                          <m:e>
+                            <m:r>
+                              <a:rPr lang="en-US" sz="1600" b="0" i="1" smtClean="0">
+                                <a:latin typeface="Cambria Math" panose="02040503050406030204" pitchFamily="18" charset="0"/>
+                                <a:ea typeface="Cambria Math" panose="02040503050406030204" pitchFamily="18" charset="0"/>
+                              </a:rPr>
+                              <m:t>𝑅</m:t>
+                            </m:r>
+                            <m:r>
+                              <a:rPr lang="en-US" sz="1600" i="1">
+                                <a:latin typeface="Cambria Math" panose="02040503050406030204" pitchFamily="18" charset="0"/>
+                                <a:ea typeface="Cambria Math" panose="02040503050406030204" pitchFamily="18" charset="0"/>
+                              </a:rPr>
+                              <m:t>(</m:t>
+                            </m:r>
+                            <m:sSub>
+                              <m:sSubPr>
+                                <m:ctrlPr>
+                                  <a:rPr lang="en-US" sz="1600" i="1">
+                                    <a:latin typeface="Cambria Math" panose="02040503050406030204" pitchFamily="18" charset="0"/>
+                                    <a:ea typeface="Cambria Math" panose="02040503050406030204" pitchFamily="18" charset="0"/>
+                                  </a:rPr>
+                                </m:ctrlPr>
+                              </m:sSubPr>
+                              <m:e>
+                                <m:r>
+                                  <a:rPr lang="en-US" sz="1600" b="0" i="1" smtClean="0">
+                                    <a:latin typeface="Cambria Math" panose="02040503050406030204" pitchFamily="18" charset="0"/>
+                                    <a:ea typeface="Cambria Math" panose="02040503050406030204" pitchFamily="18" charset="0"/>
+                                  </a:rPr>
+                                  <m:t>𝑢</m:t>
+                                </m:r>
+                              </m:e>
+                              <m:sub>
+                                <m:r>
+                                  <a:rPr lang="en-US" sz="1600" b="0" i="1" smtClean="0">
+                                    <a:latin typeface="Cambria Math" panose="02040503050406030204" pitchFamily="18" charset="0"/>
+                                    <a:ea typeface="Cambria Math" panose="02040503050406030204" pitchFamily="18" charset="0"/>
+                                  </a:rPr>
+                                  <m:t>𝑗</m:t>
+                                </m:r>
+                              </m:sub>
+                            </m:sSub>
+                            <m:r>
+                              <a:rPr lang="en-US" sz="1600" i="1">
+                                <a:latin typeface="Cambria Math" panose="02040503050406030204" pitchFamily="18" charset="0"/>
+                                <a:ea typeface="Cambria Math" panose="02040503050406030204" pitchFamily="18" charset="0"/>
+                              </a:rPr>
+                              <m:t>)</m:t>
+                            </m:r>
+                          </m:e>
+                        </m:nary>
+                      </m:e>
+                    </m:nary>
+                  </m:oMath>
+                </a14:m>
+                <a:r>
+                  <a:rPr lang="en-US" sz="1600" dirty="0"/>
+                  <a:t> --- reference (6) I still need to find the reason for this </a:t>
+                </a:r>
+              </a:p>
+              <a:p>
+                <a:pPr lvl="1">
+                  <a:buFont typeface="+mj-lt"/>
+                  <a:buAutoNum type="arabicPeriod"/>
+                </a:pPr>
+                <a14:m>
+                  <m:oMath xmlns:m="http://schemas.openxmlformats.org/officeDocument/2006/math">
+                    <m:r>
+                      <a:rPr lang="en-US" sz="1600" b="0" i="1" smtClean="0">
+                        <a:latin typeface="Cambria Math" panose="02040503050406030204" pitchFamily="18" charset="0"/>
+                      </a:rPr>
+                      <m:t>𝑅</m:t>
+                    </m:r>
+                    <m:d>
+                      <m:dPr>
+                        <m:ctrlPr>
+                          <a:rPr lang="en-US" sz="1600" b="0" i="1" smtClean="0">
+                            <a:latin typeface="Cambria Math" panose="02040503050406030204" pitchFamily="18" charset="0"/>
+                          </a:rPr>
+                        </m:ctrlPr>
+                      </m:dPr>
+                      <m:e>
+                        <m:r>
+                          <a:rPr lang="en-US" sz="1600" b="0" i="1" smtClean="0">
+                            <a:latin typeface="Cambria Math" panose="02040503050406030204" pitchFamily="18" charset="0"/>
+                          </a:rPr>
+                          <m:t>𝑡</m:t>
+                        </m:r>
+                      </m:e>
+                    </m:d>
+                    <m:r>
+                      <a:rPr lang="en-US" sz="1600" b="0" i="1" smtClean="0">
+                        <a:latin typeface="Cambria Math" panose="02040503050406030204" pitchFamily="18" charset="0"/>
+                      </a:rPr>
+                      <m:t>=</m:t>
+                    </m:r>
+                    <m:r>
+                      <a:rPr lang="en-US" sz="1600" b="0" i="1" smtClean="0">
+                        <a:latin typeface="Cambria Math" panose="02040503050406030204" pitchFamily="18" charset="0"/>
+                      </a:rPr>
+                      <m:t>𝑅𝑒𝑙𝑖𝑎𝑏𝑖𝑙𝑖𝑡𝑦</m:t>
+                    </m:r>
+                    <m:r>
+                      <a:rPr lang="en-US" sz="1600" b="0" i="1" smtClean="0">
+                        <a:latin typeface="Cambria Math" panose="02040503050406030204" pitchFamily="18" charset="0"/>
+                      </a:rPr>
+                      <m:t> </m:t>
+                    </m:r>
+                    <m:r>
+                      <a:rPr lang="en-US" sz="1600" b="0" i="1" smtClean="0">
+                        <a:latin typeface="Cambria Math" panose="02040503050406030204" pitchFamily="18" charset="0"/>
+                      </a:rPr>
+                      <m:t>𝐹𝑢𝑛𝑐𝑡𝑖𝑜𝑛</m:t>
+                    </m:r>
+                    <m:r>
+                      <a:rPr lang="en-US" sz="1600" b="0" i="1" smtClean="0">
+                        <a:latin typeface="Cambria Math" panose="02040503050406030204" pitchFamily="18" charset="0"/>
+                      </a:rPr>
+                      <m:t>= </m:t>
+                    </m:r>
+                    <m:nary>
+                      <m:naryPr>
+                        <m:ctrlPr>
+                          <a:rPr lang="en-US" sz="1600" b="0" i="1" smtClean="0">
+                            <a:latin typeface="Cambria Math" panose="02040503050406030204" pitchFamily="18" charset="0"/>
+                          </a:rPr>
+                        </m:ctrlPr>
+                      </m:naryPr>
+                      <m:sub>
+                        <m:r>
+                          <m:rPr>
+                            <m:brk m:alnAt="23"/>
+                          </m:rPr>
+                          <a:rPr lang="en-US" sz="1600" b="0" i="1" smtClean="0">
+                            <a:latin typeface="Cambria Math" panose="02040503050406030204" pitchFamily="18" charset="0"/>
+                          </a:rPr>
+                          <m:t>𝑡</m:t>
+                        </m:r>
+                      </m:sub>
+                      <m:sup>
+                        <m:r>
+                          <a:rPr lang="en-US" sz="1600" b="0" i="1" smtClean="0">
+                            <a:latin typeface="Cambria Math" panose="02040503050406030204" pitchFamily="18" charset="0"/>
+                            <a:ea typeface="Cambria Math" panose="02040503050406030204" pitchFamily="18" charset="0"/>
+                          </a:rPr>
+                          <m:t>∞</m:t>
+                        </m:r>
+                      </m:sup>
+                      <m:e>
+                        <m:r>
+                          <a:rPr lang="en-US" sz="1600" b="0" i="1" smtClean="0">
+                            <a:latin typeface="Cambria Math" panose="02040503050406030204" pitchFamily="18" charset="0"/>
+                          </a:rPr>
+                          <m:t>𝑓</m:t>
+                        </m:r>
+                        <m:d>
+                          <m:dPr>
+                            <m:ctrlPr>
+                              <a:rPr lang="en-US" sz="1600" b="0" i="1" smtClean="0">
+                                <a:latin typeface="Cambria Math" panose="02040503050406030204" pitchFamily="18" charset="0"/>
+                              </a:rPr>
+                            </m:ctrlPr>
+                          </m:dPr>
+                          <m:e>
+                            <m:r>
+                              <a:rPr lang="en-US" sz="1600" b="0" i="1" smtClean="0">
+                                <a:latin typeface="Cambria Math" panose="02040503050406030204" pitchFamily="18" charset="0"/>
+                              </a:rPr>
+                              <m:t>𝑥</m:t>
+                            </m:r>
+                          </m:e>
+                        </m:d>
+                        <m:r>
+                          <a:rPr lang="en-US" sz="1600" b="0" i="1" smtClean="0">
+                            <a:latin typeface="Cambria Math" panose="02040503050406030204" pitchFamily="18" charset="0"/>
+                          </a:rPr>
+                          <m:t>𝑑𝑥</m:t>
+                        </m:r>
+                        <m:r>
+                          <a:rPr lang="en-US" sz="1600" b="0" i="1" smtClean="0">
+                            <a:latin typeface="Cambria Math" panose="02040503050406030204" pitchFamily="18" charset="0"/>
+                          </a:rPr>
+                          <m:t>= </m:t>
+                        </m:r>
+                        <m:sSup>
+                          <m:sSupPr>
+                            <m:ctrlPr>
+                              <a:rPr lang="en-US" sz="1600" b="0" i="1" smtClean="0">
+                                <a:latin typeface="Cambria Math" panose="02040503050406030204" pitchFamily="18" charset="0"/>
+                              </a:rPr>
+                            </m:ctrlPr>
+                          </m:sSupPr>
+                          <m:e>
+                            <m:r>
+                              <a:rPr lang="en-US" sz="1600" b="0" i="1" smtClean="0">
+                                <a:latin typeface="Cambria Math" panose="02040503050406030204" pitchFamily="18" charset="0"/>
+                              </a:rPr>
+                              <m:t>𝑒</m:t>
+                            </m:r>
+                          </m:e>
+                          <m:sup>
+                            <m:r>
+                              <a:rPr lang="en-US" sz="1600" b="0" i="1" smtClean="0">
+                                <a:latin typeface="Cambria Math" panose="02040503050406030204" pitchFamily="18" charset="0"/>
+                              </a:rPr>
+                              <m:t>−</m:t>
+                            </m:r>
+                            <m:sSup>
+                              <m:sSupPr>
+                                <m:ctrlPr>
+                                  <a:rPr lang="en-US" sz="1600" b="0" i="1" smtClean="0">
+                                    <a:latin typeface="Cambria Math" panose="02040503050406030204" pitchFamily="18" charset="0"/>
+                                  </a:rPr>
+                                </m:ctrlPr>
+                              </m:sSupPr>
+                              <m:e>
+                                <m:r>
+                                  <a:rPr lang="en-US" sz="1600" b="0" i="1" smtClean="0">
+                                    <a:latin typeface="Cambria Math" panose="02040503050406030204" pitchFamily="18" charset="0"/>
+                                  </a:rPr>
+                                  <m:t>(</m:t>
+                                </m:r>
+                                <m:f>
+                                  <m:fPr>
+                                    <m:type m:val="skw"/>
+                                    <m:ctrlPr>
+                                      <a:rPr lang="en-US" sz="1600" b="0" i="1" smtClean="0">
+                                        <a:latin typeface="Cambria Math" panose="02040503050406030204" pitchFamily="18" charset="0"/>
+                                      </a:rPr>
+                                    </m:ctrlPr>
+                                  </m:fPr>
+                                  <m:num>
+                                    <m:r>
+                                      <a:rPr lang="en-US" sz="1600" b="0" i="1" smtClean="0">
+                                        <a:latin typeface="Cambria Math" panose="02040503050406030204" pitchFamily="18" charset="0"/>
+                                      </a:rPr>
+                                      <m:t>𝑡</m:t>
+                                    </m:r>
+                                  </m:num>
+                                  <m:den>
+                                    <m:r>
+                                      <a:rPr lang="en-US" sz="1600" b="0" i="1" smtClean="0">
+                                        <a:latin typeface="Cambria Math" panose="02040503050406030204" pitchFamily="18" charset="0"/>
+                                        <a:ea typeface="Cambria Math" panose="02040503050406030204" pitchFamily="18" charset="0"/>
+                                      </a:rPr>
+                                      <m:t>𝜆</m:t>
+                                    </m:r>
+                                  </m:den>
+                                </m:f>
+                                <m:r>
+                                  <a:rPr lang="en-US" sz="1600" b="0" i="1" smtClean="0">
+                                    <a:latin typeface="Cambria Math" panose="02040503050406030204" pitchFamily="18" charset="0"/>
+                                  </a:rPr>
+                                  <m:t>)</m:t>
+                                </m:r>
+                              </m:e>
+                              <m:sup>
+                                <m:r>
+                                  <a:rPr lang="en-US" sz="1600" b="0" i="1" smtClean="0">
+                                    <a:latin typeface="Cambria Math" panose="02040503050406030204" pitchFamily="18" charset="0"/>
+                                  </a:rPr>
+                                  <m:t>𝑘</m:t>
+                                </m:r>
+                              </m:sup>
+                            </m:sSup>
+                          </m:sup>
+                        </m:sSup>
+                      </m:e>
+                    </m:nary>
+                  </m:oMath>
+                </a14:m>
+                <a:endParaRPr lang="en-US" sz="1600" dirty="0"/>
+              </a:p>
+              <a:p>
+                <a:pPr lvl="1">
+                  <a:buFont typeface="+mj-lt"/>
+                  <a:buAutoNum type="arabicPeriod"/>
+                </a:pPr>
+                <a14:m>
+                  <m:oMath xmlns:m="http://schemas.openxmlformats.org/officeDocument/2006/math">
+                    <m:r>
+                      <a:rPr lang="en-US" sz="1600" i="1">
+                        <a:latin typeface="Cambria Math" panose="02040503050406030204" pitchFamily="18" charset="0"/>
+                      </a:rPr>
+                      <m:t>𝐿𝐿</m:t>
+                    </m:r>
+                    <m:d>
+                      <m:dPr>
+                        <m:ctrlPr>
+                          <a:rPr lang="en-US" sz="1600" i="1">
+                            <a:latin typeface="Cambria Math" panose="02040503050406030204" pitchFamily="18" charset="0"/>
+                          </a:rPr>
+                        </m:ctrlPr>
+                      </m:dPr>
+                      <m:e>
+                        <m:r>
+                          <a:rPr lang="en-US" sz="1600" i="1">
+                            <a:latin typeface="Cambria Math" panose="02040503050406030204" pitchFamily="18" charset="0"/>
+                          </a:rPr>
+                          <m:t>𝑘</m:t>
+                        </m:r>
+                        <m:r>
+                          <a:rPr lang="en-US" sz="1600" i="1">
+                            <a:latin typeface="Cambria Math" panose="02040503050406030204" pitchFamily="18" charset="0"/>
+                          </a:rPr>
+                          <m:t>, </m:t>
+                        </m:r>
+                        <m:r>
+                          <a:rPr lang="en-US" sz="1600" i="1">
+                            <a:latin typeface="Cambria Math" panose="02040503050406030204" pitchFamily="18" charset="0"/>
+                            <a:ea typeface="Cambria Math" panose="02040503050406030204" pitchFamily="18" charset="0"/>
+                          </a:rPr>
+                          <m:t>𝜆</m:t>
+                        </m:r>
+                      </m:e>
+                    </m:d>
+                    <m:r>
+                      <a:rPr lang="en-US" sz="1600" i="1">
+                        <a:latin typeface="Cambria Math" panose="02040503050406030204" pitchFamily="18" charset="0"/>
+                        <a:ea typeface="Cambria Math" panose="02040503050406030204" pitchFamily="18" charset="0"/>
+                      </a:rPr>
+                      <m:t>=</m:t>
+                    </m:r>
+                    <m:nary>
+                      <m:naryPr>
+                        <m:chr m:val="∑"/>
+                        <m:ctrlPr>
+                          <a:rPr lang="en-US" sz="1600" i="1">
+                            <a:latin typeface="Cambria Math" panose="02040503050406030204" pitchFamily="18" charset="0"/>
+                            <a:ea typeface="Cambria Math" panose="02040503050406030204" pitchFamily="18" charset="0"/>
+                          </a:rPr>
+                        </m:ctrlPr>
+                      </m:naryPr>
+                      <m:sub>
+                        <m:r>
+                          <m:rPr>
+                            <m:brk m:alnAt="23"/>
+                          </m:rPr>
+                          <a:rPr lang="en-US" sz="1600" i="1">
+                            <a:latin typeface="Cambria Math" panose="02040503050406030204" pitchFamily="18" charset="0"/>
+                            <a:ea typeface="Cambria Math" panose="02040503050406030204" pitchFamily="18" charset="0"/>
+                          </a:rPr>
+                          <m:t>𝑖</m:t>
+                        </m:r>
+                        <m:r>
+                          <a:rPr lang="en-US" sz="1600" i="1">
+                            <a:latin typeface="Cambria Math" panose="02040503050406030204" pitchFamily="18" charset="0"/>
+                            <a:ea typeface="Cambria Math" panose="02040503050406030204" pitchFamily="18" charset="0"/>
+                          </a:rPr>
+                          <m:t>=1</m:t>
+                        </m:r>
+                      </m:sub>
+                      <m:sup>
+                        <m:r>
+                          <a:rPr lang="en-US" sz="1600" i="1">
+                            <a:latin typeface="Cambria Math" panose="02040503050406030204" pitchFamily="18" charset="0"/>
+                            <a:ea typeface="Cambria Math" panose="02040503050406030204" pitchFamily="18" charset="0"/>
+                          </a:rPr>
+                          <m:t>𝑛</m:t>
+                        </m:r>
+                      </m:sup>
+                      <m:e>
+                        <m:f>
+                          <m:fPr>
+                            <m:ctrlPr>
+                              <a:rPr lang="en-US" sz="1600" i="1">
+                                <a:latin typeface="Cambria Math" panose="02040503050406030204" pitchFamily="18" charset="0"/>
+                                <a:ea typeface="Cambria Math" panose="02040503050406030204" pitchFamily="18" charset="0"/>
+                              </a:rPr>
+                            </m:ctrlPr>
+                          </m:fPr>
+                          <m:num>
+                            <m:r>
+                              <a:rPr lang="en-US" sz="1600" i="1">
+                                <a:latin typeface="Cambria Math" panose="02040503050406030204" pitchFamily="18" charset="0"/>
+                                <a:ea typeface="Cambria Math" panose="02040503050406030204" pitchFamily="18" charset="0"/>
+                              </a:rPr>
+                              <m:t>𝑘</m:t>
+                            </m:r>
+                          </m:num>
+                          <m:den>
+                            <m:r>
+                              <a:rPr lang="en-US" sz="1600" i="1">
+                                <a:latin typeface="Cambria Math" panose="02040503050406030204" pitchFamily="18" charset="0"/>
+                                <a:ea typeface="Cambria Math" panose="02040503050406030204" pitchFamily="18" charset="0"/>
+                              </a:rPr>
+                              <m:t>𝜆</m:t>
+                            </m:r>
+                          </m:den>
+                        </m:f>
+                        <m:r>
+                          <a:rPr lang="en-US" sz="1600" i="1">
+                            <a:latin typeface="Cambria Math" panose="02040503050406030204" pitchFamily="18" charset="0"/>
+                            <a:ea typeface="Cambria Math" panose="02040503050406030204" pitchFamily="18" charset="0"/>
+                          </a:rPr>
+                          <m:t>+</m:t>
+                        </m:r>
+                        <m:d>
+                          <m:dPr>
+                            <m:ctrlPr>
+                              <a:rPr lang="en-US" sz="1600" i="1">
+                                <a:latin typeface="Cambria Math" panose="02040503050406030204" pitchFamily="18" charset="0"/>
+                                <a:ea typeface="Cambria Math" panose="02040503050406030204" pitchFamily="18" charset="0"/>
+                              </a:rPr>
+                            </m:ctrlPr>
+                          </m:dPr>
+                          <m:e>
+                            <m:r>
+                              <a:rPr lang="en-US" sz="1600" i="1">
+                                <a:latin typeface="Cambria Math" panose="02040503050406030204" pitchFamily="18" charset="0"/>
+                                <a:ea typeface="Cambria Math" panose="02040503050406030204" pitchFamily="18" charset="0"/>
+                              </a:rPr>
+                              <m:t>𝑘</m:t>
+                            </m:r>
+                            <m:r>
+                              <a:rPr lang="en-US" sz="1600" i="1">
+                                <a:latin typeface="Cambria Math" panose="02040503050406030204" pitchFamily="18" charset="0"/>
+                                <a:ea typeface="Cambria Math" panose="02040503050406030204" pitchFamily="18" charset="0"/>
+                              </a:rPr>
+                              <m:t>−1</m:t>
+                            </m:r>
+                          </m:e>
+                        </m:d>
+                        <m:d>
+                          <m:dPr>
+                            <m:ctrlPr>
+                              <a:rPr lang="en-US" sz="1600" i="1">
+                                <a:latin typeface="Cambria Math" panose="02040503050406030204" pitchFamily="18" charset="0"/>
+                                <a:ea typeface="Cambria Math" panose="02040503050406030204" pitchFamily="18" charset="0"/>
+                              </a:rPr>
+                            </m:ctrlPr>
+                          </m:dPr>
+                          <m:e>
+                            <m:f>
+                              <m:fPr>
+                                <m:ctrlPr>
+                                  <a:rPr lang="en-US" sz="1600" i="1">
+                                    <a:latin typeface="Cambria Math" panose="02040503050406030204" pitchFamily="18" charset="0"/>
+                                    <a:ea typeface="Cambria Math" panose="02040503050406030204" pitchFamily="18" charset="0"/>
+                                  </a:rPr>
+                                </m:ctrlPr>
+                              </m:fPr>
+                              <m:num>
+                                <m:sSub>
+                                  <m:sSubPr>
+                                    <m:ctrlPr>
+                                      <a:rPr lang="en-US" sz="1600" i="1">
+                                        <a:latin typeface="Cambria Math" panose="02040503050406030204" pitchFamily="18" charset="0"/>
+                                        <a:ea typeface="Cambria Math" panose="02040503050406030204" pitchFamily="18" charset="0"/>
+                                      </a:rPr>
+                                    </m:ctrlPr>
+                                  </m:sSubPr>
+                                  <m:e>
+                                    <m:r>
+                                      <a:rPr lang="en-US" sz="1600" i="1">
+                                        <a:latin typeface="Cambria Math" panose="02040503050406030204" pitchFamily="18" charset="0"/>
+                                        <a:ea typeface="Cambria Math" panose="02040503050406030204" pitchFamily="18" charset="0"/>
+                                      </a:rPr>
+                                      <m:t>𝑡</m:t>
+                                    </m:r>
+                                  </m:e>
+                                  <m:sub>
+                                    <m:r>
+                                      <a:rPr lang="en-US" sz="1600" i="1">
+                                        <a:latin typeface="Cambria Math" panose="02040503050406030204" pitchFamily="18" charset="0"/>
+                                        <a:ea typeface="Cambria Math" panose="02040503050406030204" pitchFamily="18" charset="0"/>
+                                      </a:rPr>
+                                      <m:t>𝑖</m:t>
+                                    </m:r>
+                                  </m:sub>
+                                </m:sSub>
+                              </m:num>
+                              <m:den>
+                                <m:r>
+                                  <a:rPr lang="en-US" sz="1600" i="1">
+                                    <a:latin typeface="Cambria Math" panose="02040503050406030204" pitchFamily="18" charset="0"/>
+                                    <a:ea typeface="Cambria Math" panose="02040503050406030204" pitchFamily="18" charset="0"/>
+                                  </a:rPr>
+                                  <m:t>𝜆</m:t>
+                                </m:r>
+                              </m:den>
+                            </m:f>
+                          </m:e>
+                        </m:d>
+                        <m:r>
+                          <a:rPr lang="en-US" sz="1600" i="1">
+                            <a:latin typeface="Cambria Math" panose="02040503050406030204" pitchFamily="18" charset="0"/>
+                            <a:ea typeface="Cambria Math" panose="02040503050406030204" pitchFamily="18" charset="0"/>
+                          </a:rPr>
+                          <m:t>−</m:t>
+                        </m:r>
+                        <m:sSup>
+                          <m:sSupPr>
+                            <m:ctrlPr>
+                              <a:rPr lang="en-US" sz="1600" i="1">
+                                <a:latin typeface="Cambria Math" panose="02040503050406030204" pitchFamily="18" charset="0"/>
+                                <a:ea typeface="Cambria Math" panose="02040503050406030204" pitchFamily="18" charset="0"/>
+                              </a:rPr>
+                            </m:ctrlPr>
+                          </m:sSupPr>
+                          <m:e>
+                            <m:d>
+                              <m:dPr>
+                                <m:ctrlPr>
+                                  <a:rPr lang="en-US" sz="1600" i="1">
+                                    <a:latin typeface="Cambria Math" panose="02040503050406030204" pitchFamily="18" charset="0"/>
+                                    <a:ea typeface="Cambria Math" panose="02040503050406030204" pitchFamily="18" charset="0"/>
+                                  </a:rPr>
+                                </m:ctrlPr>
+                              </m:dPr>
+                              <m:e>
+                                <m:f>
+                                  <m:fPr>
+                                    <m:ctrlPr>
+                                      <a:rPr lang="en-US" sz="1600" i="1">
+                                        <a:latin typeface="Cambria Math" panose="02040503050406030204" pitchFamily="18" charset="0"/>
+                                        <a:ea typeface="Cambria Math" panose="02040503050406030204" pitchFamily="18" charset="0"/>
+                                      </a:rPr>
+                                    </m:ctrlPr>
+                                  </m:fPr>
+                                  <m:num>
+                                    <m:sSub>
+                                      <m:sSubPr>
+                                        <m:ctrlPr>
+                                          <a:rPr lang="en-US" sz="1600" i="1">
+                                            <a:latin typeface="Cambria Math" panose="02040503050406030204" pitchFamily="18" charset="0"/>
+                                            <a:ea typeface="Cambria Math" panose="02040503050406030204" pitchFamily="18" charset="0"/>
+                                          </a:rPr>
+                                        </m:ctrlPr>
+                                      </m:sSubPr>
+                                      <m:e>
+                                        <m:r>
+                                          <a:rPr lang="en-US" sz="1600" i="1">
+                                            <a:latin typeface="Cambria Math" panose="02040503050406030204" pitchFamily="18" charset="0"/>
+                                            <a:ea typeface="Cambria Math" panose="02040503050406030204" pitchFamily="18" charset="0"/>
+                                          </a:rPr>
+                                          <m:t>𝑡</m:t>
+                                        </m:r>
+                                      </m:e>
+                                      <m:sub>
+                                        <m:r>
+                                          <a:rPr lang="en-US" sz="1600" i="1">
+                                            <a:latin typeface="Cambria Math" panose="02040503050406030204" pitchFamily="18" charset="0"/>
+                                            <a:ea typeface="Cambria Math" panose="02040503050406030204" pitchFamily="18" charset="0"/>
+                                          </a:rPr>
+                                          <m:t>𝑖</m:t>
+                                        </m:r>
+                                      </m:sub>
+                                    </m:sSub>
+                                  </m:num>
+                                  <m:den>
+                                    <m:r>
+                                      <a:rPr lang="en-US" sz="1600" i="1">
+                                        <a:latin typeface="Cambria Math" panose="02040503050406030204" pitchFamily="18" charset="0"/>
+                                        <a:ea typeface="Cambria Math" panose="02040503050406030204" pitchFamily="18" charset="0"/>
+                                      </a:rPr>
+                                      <m:t>𝜆</m:t>
+                                    </m:r>
+                                  </m:den>
+                                </m:f>
+                              </m:e>
+                            </m:d>
+                          </m:e>
+                          <m:sup>
+                            <m:r>
+                              <a:rPr lang="en-US" sz="1600" i="1">
+                                <a:latin typeface="Cambria Math" panose="02040503050406030204" pitchFamily="18" charset="0"/>
+                                <a:ea typeface="Cambria Math" panose="02040503050406030204" pitchFamily="18" charset="0"/>
+                              </a:rPr>
+                              <m:t>𝑘</m:t>
+                            </m:r>
+                          </m:sup>
+                        </m:sSup>
+                      </m:e>
+                    </m:nary>
+                    <m:r>
+                      <a:rPr lang="en-US" sz="1600" i="1">
+                        <a:latin typeface="Cambria Math" panose="02040503050406030204" pitchFamily="18" charset="0"/>
+                        <a:ea typeface="Cambria Math" panose="02040503050406030204" pitchFamily="18" charset="0"/>
+                      </a:rPr>
+                      <m:t>−</m:t>
+                    </m:r>
+                    <m:sSup>
+                      <m:sSupPr>
+                        <m:ctrlPr>
+                          <a:rPr lang="en-US" sz="1600" i="1">
+                            <a:latin typeface="Cambria Math" panose="02040503050406030204" pitchFamily="18" charset="0"/>
+                            <a:ea typeface="Cambria Math" panose="02040503050406030204" pitchFamily="18" charset="0"/>
+                          </a:rPr>
+                        </m:ctrlPr>
+                      </m:sSupPr>
+                      <m:e>
+                        <m:nary>
+                          <m:naryPr>
+                            <m:chr m:val="∑"/>
+                            <m:ctrlPr>
+                              <a:rPr lang="en-US" sz="1600" i="1" smtClean="0">
+                                <a:latin typeface="Cambria Math" panose="02040503050406030204" pitchFamily="18" charset="0"/>
+                                <a:ea typeface="Cambria Math" panose="02040503050406030204" pitchFamily="18" charset="0"/>
+                              </a:rPr>
+                            </m:ctrlPr>
+                          </m:naryPr>
+                          <m:sub>
+                            <m:r>
+                              <m:rPr>
+                                <m:brk m:alnAt="23"/>
+                              </m:rPr>
+                              <a:rPr lang="en-US" sz="1600" b="0" i="1" smtClean="0">
+                                <a:latin typeface="Cambria Math" panose="02040503050406030204" pitchFamily="18" charset="0"/>
+                                <a:ea typeface="Cambria Math" panose="02040503050406030204" pitchFamily="18" charset="0"/>
+                              </a:rPr>
+                              <m:t>𝑗</m:t>
+                            </m:r>
+                            <m:r>
+                              <a:rPr lang="en-US" sz="1600" b="0" i="1" smtClean="0">
+                                <a:latin typeface="Cambria Math" panose="02040503050406030204" pitchFamily="18" charset="0"/>
+                                <a:ea typeface="Cambria Math" panose="02040503050406030204" pitchFamily="18" charset="0"/>
+                              </a:rPr>
+                              <m:t>=1</m:t>
+                            </m:r>
+                          </m:sub>
+                          <m:sup>
+                            <m:r>
+                              <a:rPr lang="en-US" sz="1600" b="0" i="1" smtClean="0">
+                                <a:latin typeface="Cambria Math" panose="02040503050406030204" pitchFamily="18" charset="0"/>
+                                <a:ea typeface="Cambria Math" panose="02040503050406030204" pitchFamily="18" charset="0"/>
+                              </a:rPr>
+                              <m:t>𝑟</m:t>
+                            </m:r>
+                          </m:sup>
+                          <m:e>
+                            <m:d>
+                              <m:dPr>
+                                <m:ctrlPr>
+                                  <a:rPr lang="en-US" sz="1600" i="1">
+                                    <a:latin typeface="Cambria Math" panose="02040503050406030204" pitchFamily="18" charset="0"/>
+                                    <a:ea typeface="Cambria Math" panose="02040503050406030204" pitchFamily="18" charset="0"/>
+                                  </a:rPr>
+                                </m:ctrlPr>
+                              </m:dPr>
+                              <m:e>
+                                <m:f>
+                                  <m:fPr>
+                                    <m:ctrlPr>
+                                      <a:rPr lang="en-US" sz="1600" i="1">
+                                        <a:latin typeface="Cambria Math" panose="02040503050406030204" pitchFamily="18" charset="0"/>
+                                        <a:ea typeface="Cambria Math" panose="02040503050406030204" pitchFamily="18" charset="0"/>
+                                      </a:rPr>
+                                    </m:ctrlPr>
+                                  </m:fPr>
+                                  <m:num>
+                                    <m:sSub>
+                                      <m:sSubPr>
+                                        <m:ctrlPr>
+                                          <a:rPr lang="en-US" sz="1600" i="1">
+                                            <a:latin typeface="Cambria Math" panose="02040503050406030204" pitchFamily="18" charset="0"/>
+                                            <a:ea typeface="Cambria Math" panose="02040503050406030204" pitchFamily="18" charset="0"/>
+                                          </a:rPr>
+                                        </m:ctrlPr>
+                                      </m:sSubPr>
+                                      <m:e>
+                                        <m:r>
+                                          <a:rPr lang="en-US" sz="1600" b="0" i="1" smtClean="0">
+                                            <a:latin typeface="Cambria Math" panose="02040503050406030204" pitchFamily="18" charset="0"/>
+                                            <a:ea typeface="Cambria Math" panose="02040503050406030204" pitchFamily="18" charset="0"/>
+                                          </a:rPr>
+                                          <m:t>𝑢</m:t>
+                                        </m:r>
+                                      </m:e>
+                                      <m:sub>
+                                        <m:r>
+                                          <a:rPr lang="en-US" sz="1600" b="0" i="1" smtClean="0">
+                                            <a:latin typeface="Cambria Math" panose="02040503050406030204" pitchFamily="18" charset="0"/>
+                                            <a:ea typeface="Cambria Math" panose="02040503050406030204" pitchFamily="18" charset="0"/>
+                                          </a:rPr>
+                                          <m:t>𝑗</m:t>
+                                        </m:r>
+                                      </m:sub>
+                                    </m:sSub>
+                                  </m:num>
+                                  <m:den>
+                                    <m:r>
+                                      <a:rPr lang="en-US" sz="1600" i="1">
+                                        <a:latin typeface="Cambria Math" panose="02040503050406030204" pitchFamily="18" charset="0"/>
+                                        <a:ea typeface="Cambria Math" panose="02040503050406030204" pitchFamily="18" charset="0"/>
+                                      </a:rPr>
+                                      <m:t>𝜆</m:t>
+                                    </m:r>
+                                  </m:den>
+                                </m:f>
+                              </m:e>
+                            </m:d>
+                          </m:e>
+                        </m:nary>
+                      </m:e>
+                      <m:sup>
+                        <m:r>
+                          <a:rPr lang="en-US" sz="1600" i="1">
+                            <a:latin typeface="Cambria Math" panose="02040503050406030204" pitchFamily="18" charset="0"/>
+                            <a:ea typeface="Cambria Math" panose="02040503050406030204" pitchFamily="18" charset="0"/>
+                          </a:rPr>
+                          <m:t>𝑘</m:t>
+                        </m:r>
+                      </m:sup>
+                    </m:sSup>
+                  </m:oMath>
+                </a14:m>
+                <a:endParaRPr lang="en-US" sz="1600" dirty="0"/>
+              </a:p>
+            </p:txBody>
+          </p:sp>
+        </mc:Choice>
+        <mc:Fallback xmlns="">
+          <p:sp>
+            <p:nvSpPr>
+              <p:cNvPr id="3" name="Text Placeholder 2">
+                <a:extLst>
+                  <a:ext uri="{FF2B5EF4-FFF2-40B4-BE49-F238E27FC236}">
+                    <a16:creationId xmlns:a16="http://schemas.microsoft.com/office/drawing/2014/main" id="{93116836-679F-4204-94FE-DA123740D574}"/>
+                  </a:ext>
+                </a:extLst>
+              </p:cNvPr>
+              <p:cNvSpPr>
+                <a:spLocks noGrp="1" noRot="1" noChangeAspect="1" noMove="1" noResize="1" noEditPoints="1" noAdjustHandles="1" noChangeArrowheads="1" noChangeShapeType="1" noTextEdit="1"/>
+              </p:cNvSpPr>
+              <p:nvPr>
+                <p:ph type="body" idx="1"/>
+              </p:nvPr>
+            </p:nvSpPr>
+            <p:spPr>
+              <a:xfrm>
+                <a:off x="311700" y="1152475"/>
+                <a:ext cx="8070300" cy="3416400"/>
+              </a:xfrm>
+              <a:blipFill>
+                <a:blip r:embed="rId2"/>
+                <a:stretch>
+                  <a:fillRect t="-536" b="-14286"/>
+                </a:stretch>
+              </a:blipFill>
+            </p:spPr>
+            <p:txBody>
+              <a:bodyPr/>
+              <a:lstStyle/>
+              <a:p>
+                <a:r>
+                  <a:rPr lang="en-US">
+                    <a:noFill/>
+                  </a:rPr>
+                  <a:t> </a:t>
+                </a:r>
+              </a:p>
+            </p:txBody>
+          </p:sp>
+        </mc:Fallback>
+      </mc:AlternateContent>
+    </p:spTree>
+    <p:extLst>
+      <p:ext uri="{BB962C8B-B14F-4D97-AF65-F5344CB8AC3E}">
+        <p14:creationId xmlns:p14="http://schemas.microsoft.com/office/powerpoint/2010/main" val="2198571477"/>
       </p:ext>
     </p:extLst>
   </p:cSld>
